--- a/授業資料/講義資料：Setクラス.pptx
+++ b/授業資料/講義資料：Setクラス.pptx
@@ -11,10 +11,9 @@
     <p:sldId id="374" r:id="rId5"/>
     <p:sldId id="391" r:id="rId6"/>
     <p:sldId id="392" r:id="rId7"/>
-    <p:sldId id="393" r:id="rId8"/>
-    <p:sldId id="394" r:id="rId9"/>
-    <p:sldId id="395" r:id="rId10"/>
-    <p:sldId id="349" r:id="rId11"/>
+    <p:sldId id="394" r:id="rId8"/>
+    <p:sldId id="395" r:id="rId9"/>
+    <p:sldId id="349" r:id="rId10"/>
   </p:sldIdLst>
   <p:sldSz cx="12192000" cy="6858000"/>
   <p:notesSz cx="6858000" cy="9144000"/>
@@ -252,7 +251,7 @@
           <a:p>
             <a:fld id="{5B96D3F8-CD2E-4A0D-AC38-517181EABB18}" type="datetimeFigureOut">
               <a:rPr kumimoji="1" lang="ja-JP" altLang="en-US" smtClean="0"/>
-              <a:t>2024/10/2</a:t>
+              <a:t>2024/10/18</a:t>
             </a:fld>
             <a:endParaRPr kumimoji="1" lang="ja-JP" altLang="en-US"/>
           </a:p>
@@ -454,7 +453,7 @@
           <a:p>
             <a:fld id="{5B96D3F8-CD2E-4A0D-AC38-517181EABB18}" type="datetimeFigureOut">
               <a:rPr kumimoji="1" lang="ja-JP" altLang="en-US" smtClean="0"/>
-              <a:t>2024/10/2</a:t>
+              <a:t>2024/10/18</a:t>
             </a:fld>
             <a:endParaRPr kumimoji="1" lang="ja-JP" altLang="en-US"/>
           </a:p>
@@ -666,7 +665,7 @@
           <a:p>
             <a:fld id="{5B96D3F8-CD2E-4A0D-AC38-517181EABB18}" type="datetimeFigureOut">
               <a:rPr kumimoji="1" lang="ja-JP" altLang="en-US" smtClean="0"/>
-              <a:t>2024/10/2</a:t>
+              <a:t>2024/10/18</a:t>
             </a:fld>
             <a:endParaRPr kumimoji="1" lang="ja-JP" altLang="en-US"/>
           </a:p>
@@ -868,7 +867,7 @@
           <a:p>
             <a:fld id="{5B96D3F8-CD2E-4A0D-AC38-517181EABB18}" type="datetimeFigureOut">
               <a:rPr kumimoji="1" lang="ja-JP" altLang="en-US" smtClean="0"/>
-              <a:t>2024/10/2</a:t>
+              <a:t>2024/10/18</a:t>
             </a:fld>
             <a:endParaRPr kumimoji="1" lang="ja-JP" altLang="en-US"/>
           </a:p>
@@ -1114,7 +1113,7 @@
           <a:p>
             <a:fld id="{5B96D3F8-CD2E-4A0D-AC38-517181EABB18}" type="datetimeFigureOut">
               <a:rPr kumimoji="1" lang="ja-JP" altLang="en-US" smtClean="0"/>
-              <a:t>2024/10/2</a:t>
+              <a:t>2024/10/18</a:t>
             </a:fld>
             <a:endParaRPr kumimoji="1" lang="ja-JP" altLang="en-US"/>
           </a:p>
@@ -1410,7 +1409,7 @@
           <a:p>
             <a:fld id="{5B96D3F8-CD2E-4A0D-AC38-517181EABB18}" type="datetimeFigureOut">
               <a:rPr kumimoji="1" lang="ja-JP" altLang="en-US" smtClean="0"/>
-              <a:t>2024/10/2</a:t>
+              <a:t>2024/10/18</a:t>
             </a:fld>
             <a:endParaRPr kumimoji="1" lang="ja-JP" altLang="en-US"/>
           </a:p>
@@ -1841,7 +1840,7 @@
           <a:p>
             <a:fld id="{5B96D3F8-CD2E-4A0D-AC38-517181EABB18}" type="datetimeFigureOut">
               <a:rPr kumimoji="1" lang="ja-JP" altLang="en-US" smtClean="0"/>
-              <a:t>2024/10/2</a:t>
+              <a:t>2024/10/18</a:t>
             </a:fld>
             <a:endParaRPr kumimoji="1" lang="ja-JP" altLang="en-US"/>
           </a:p>
@@ -1959,7 +1958,7 @@
           <a:p>
             <a:fld id="{5B96D3F8-CD2E-4A0D-AC38-517181EABB18}" type="datetimeFigureOut">
               <a:rPr kumimoji="1" lang="ja-JP" altLang="en-US" smtClean="0"/>
-              <a:t>2024/10/2</a:t>
+              <a:t>2024/10/18</a:t>
             </a:fld>
             <a:endParaRPr kumimoji="1" lang="ja-JP" altLang="en-US"/>
           </a:p>
@@ -2054,7 +2053,7 @@
           <a:p>
             <a:fld id="{5B96D3F8-CD2E-4A0D-AC38-517181EABB18}" type="datetimeFigureOut">
               <a:rPr kumimoji="1" lang="ja-JP" altLang="en-US" smtClean="0"/>
-              <a:t>2024/10/2</a:t>
+              <a:t>2024/10/18</a:t>
             </a:fld>
             <a:endParaRPr kumimoji="1" lang="ja-JP" altLang="en-US"/>
           </a:p>
@@ -2363,7 +2362,7 @@
           <a:p>
             <a:fld id="{5B96D3F8-CD2E-4A0D-AC38-517181EABB18}" type="datetimeFigureOut">
               <a:rPr kumimoji="1" lang="ja-JP" altLang="en-US" smtClean="0"/>
-              <a:t>2024/10/2</a:t>
+              <a:t>2024/10/18</a:t>
             </a:fld>
             <a:endParaRPr kumimoji="1" lang="ja-JP" altLang="en-US"/>
           </a:p>
@@ -2620,7 +2619,7 @@
           <a:p>
             <a:fld id="{5B96D3F8-CD2E-4A0D-AC38-517181EABB18}" type="datetimeFigureOut">
               <a:rPr kumimoji="1" lang="ja-JP" altLang="en-US" smtClean="0"/>
-              <a:t>2024/10/2</a:t>
+              <a:t>2024/10/18</a:t>
             </a:fld>
             <a:endParaRPr kumimoji="1" lang="ja-JP" altLang="en-US"/>
           </a:p>
@@ -2865,7 +2864,7 @@
           <a:p>
             <a:fld id="{5B96D3F8-CD2E-4A0D-AC38-517181EABB18}" type="datetimeFigureOut">
               <a:rPr kumimoji="1" lang="ja-JP" altLang="en-US" smtClean="0"/>
-              <a:t>2024/10/2</a:t>
+              <a:t>2024/10/18</a:t>
             </a:fld>
             <a:endParaRPr kumimoji="1" lang="ja-JP" altLang="en-US"/>
           </a:p>
@@ -3595,220 +3594,6 @@
 </p:sld>
 </file>
 
-<file path=ppt/slides/slide10.xml><?xml version="1.0" encoding="utf-8"?>
-<p:sld xmlns:a="http://schemas.openxmlformats.org/drawingml/2006/main" xmlns:r="http://schemas.openxmlformats.org/officeDocument/2006/relationships" xmlns:p="http://schemas.openxmlformats.org/presentationml/2006/main">
-  <p:cSld>
-    <p:spTree>
-      <p:nvGrpSpPr>
-        <p:cNvPr id="1" name=""/>
-        <p:cNvGrpSpPr/>
-        <p:nvPr/>
-      </p:nvGrpSpPr>
-      <p:grpSpPr>
-        <a:xfrm>
-          <a:off x="0" y="0"/>
-          <a:ext cx="0" cy="0"/>
-          <a:chOff x="0" y="0"/>
-          <a:chExt cx="0" cy="0"/>
-        </a:xfrm>
-      </p:grpSpPr>
-      <p:sp>
-        <p:nvSpPr>
-          <p:cNvPr id="2" name="タイトル 1">
-            <a:extLst>
-              <a:ext uri="{FF2B5EF4-FFF2-40B4-BE49-F238E27FC236}">
-                <a16:creationId xmlns:a16="http://schemas.microsoft.com/office/drawing/2014/main" id="{9F789731-37C4-49DD-AEE8-78E5514E279E}"/>
-              </a:ext>
-            </a:extLst>
-          </p:cNvPr>
-          <p:cNvSpPr>
-            <a:spLocks noGrp="1"/>
-          </p:cNvSpPr>
-          <p:nvPr>
-            <p:ph type="title"/>
-          </p:nvPr>
-        </p:nvSpPr>
-        <p:spPr/>
-        <p:txBody>
-          <a:bodyPr/>
-          <a:lstStyle/>
-          <a:p>
-            <a:r>
-              <a:rPr lang="en-US" altLang="ja-JP" dirty="0"/>
-              <a:t>set</a:t>
-            </a:r>
-            <a:r>
-              <a:rPr kumimoji="1" lang="ja-JP" altLang="en-US" dirty="0"/>
-              <a:t>クラス</a:t>
-            </a:r>
-          </a:p>
-        </p:txBody>
-      </p:sp>
-      <p:sp>
-        <p:nvSpPr>
-          <p:cNvPr id="3" name="コンテンツ プレースホルダー 2">
-            <a:extLst>
-              <a:ext uri="{FF2B5EF4-FFF2-40B4-BE49-F238E27FC236}">
-                <a16:creationId xmlns:a16="http://schemas.microsoft.com/office/drawing/2014/main" id="{39562F0E-6033-40BD-BCB8-F015661306FD}"/>
-              </a:ext>
-            </a:extLst>
-          </p:cNvPr>
-          <p:cNvSpPr>
-            <a:spLocks noGrp="1"/>
-          </p:cNvSpPr>
-          <p:nvPr>
-            <p:ph idx="1"/>
-          </p:nvPr>
-        </p:nvSpPr>
-        <p:spPr/>
-        <p:txBody>
-          <a:bodyPr>
-            <a:normAutofit/>
-          </a:bodyPr>
-          <a:lstStyle/>
-          <a:p>
-            <a:r>
-              <a:rPr lang="en-US" altLang="ja-JP" dirty="0"/>
-              <a:t>set</a:t>
-            </a:r>
-            <a:r>
-              <a:rPr lang="ja-JP" altLang="en-US" dirty="0"/>
-              <a:t>まとめ</a:t>
-            </a:r>
-            <a:br>
-              <a:rPr lang="en-US" altLang="ja-JP" dirty="0"/>
-            </a:br>
-            <a:endParaRPr lang="en-US" altLang="ja-JP" dirty="0"/>
-          </a:p>
-          <a:p>
-            <a:pPr lvl="1"/>
-            <a:r>
-              <a:rPr lang="ja-JP" altLang="en-US" dirty="0">
-                <a:solidFill>
-                  <a:srgbClr val="00B050"/>
-                </a:solidFill>
-              </a:rPr>
-              <a:t>ユニーク（重複のない一意）</a:t>
-            </a:r>
-            <a:r>
-              <a:rPr lang="ja-JP" altLang="en-US" dirty="0"/>
-              <a:t>なデータを管理する</a:t>
-            </a:r>
-            <a:br>
-              <a:rPr lang="en-US" altLang="ja-JP" dirty="0"/>
-            </a:br>
-            <a:r>
-              <a:rPr lang="ja-JP" altLang="en-US" dirty="0"/>
-              <a:t>連想コンテナクラス</a:t>
-            </a:r>
-            <a:endParaRPr lang="en-US" altLang="ja-JP" dirty="0"/>
-          </a:p>
-          <a:p>
-            <a:pPr lvl="1"/>
-            <a:r>
-              <a:rPr lang="ja-JP" altLang="en-US" dirty="0"/>
-              <a:t>要素自体が</a:t>
-            </a:r>
-            <a:r>
-              <a:rPr lang="en-US" altLang="ja-JP" b="1" dirty="0">
-                <a:solidFill>
-                  <a:srgbClr val="FF0000"/>
-                </a:solidFill>
-              </a:rPr>
-              <a:t>【</a:t>
-            </a:r>
-            <a:r>
-              <a:rPr lang="ja-JP" altLang="en-US" b="1" dirty="0">
-                <a:solidFill>
-                  <a:srgbClr val="FF0000"/>
-                </a:solidFill>
-              </a:rPr>
-              <a:t>キー</a:t>
-            </a:r>
-            <a:r>
-              <a:rPr lang="en-US" altLang="ja-JP" b="1" dirty="0">
-                <a:solidFill>
-                  <a:srgbClr val="FF0000"/>
-                </a:solidFill>
-              </a:rPr>
-              <a:t>(key)】</a:t>
-            </a:r>
-            <a:endParaRPr lang="en-US" altLang="ja-JP" dirty="0"/>
-          </a:p>
-          <a:p>
-            <a:pPr lvl="1"/>
-            <a:r>
-              <a:rPr lang="ja-JP" altLang="en-US" dirty="0"/>
-              <a:t>添え字番号でなく、イテレータを使ってアクセス</a:t>
-            </a:r>
-            <a:endParaRPr lang="en-US" altLang="ja-JP" dirty="0"/>
-          </a:p>
-          <a:p>
-            <a:pPr lvl="1"/>
-            <a:r>
-              <a:rPr lang="ja-JP" altLang="en-US" dirty="0"/>
-              <a:t>特定のキーを発見するためには</a:t>
-            </a:r>
-            <a:r>
-              <a:rPr lang="en-US" altLang="ja-JP" dirty="0">
-                <a:solidFill>
-                  <a:srgbClr val="0070C0"/>
-                </a:solidFill>
-              </a:rPr>
-              <a:t>find()</a:t>
-            </a:r>
-            <a:r>
-              <a:rPr lang="ja-JP" altLang="en-US" dirty="0"/>
-              <a:t>を使う</a:t>
-            </a:r>
-            <a:endParaRPr lang="en-US" altLang="ja-JP" dirty="0"/>
-          </a:p>
-          <a:p>
-            <a:pPr lvl="1"/>
-            <a:r>
-              <a:rPr lang="ja-JP" altLang="en-US" dirty="0"/>
-              <a:t>格納するデータは、キーの値によってソートされている（</a:t>
-            </a:r>
-            <a:r>
-              <a:rPr lang="en-US" altLang="ja-JP" dirty="0"/>
-              <a:t>int</a:t>
-            </a:r>
-            <a:r>
-              <a:rPr lang="ja-JP" altLang="en-US" dirty="0"/>
-              <a:t>値の</a:t>
-            </a:r>
-            <a:r>
-              <a:rPr lang="en-US" altLang="ja-JP" dirty="0"/>
-              <a:t>set</a:t>
-            </a:r>
-            <a:r>
-              <a:rPr lang="ja-JP" altLang="en-US" dirty="0"/>
-              <a:t>ではキーを追加すると自動的に昇順</a:t>
-            </a:r>
-            <a:br>
-              <a:rPr lang="en-US" altLang="ja-JP" dirty="0"/>
-            </a:br>
-            <a:r>
-              <a:rPr lang="ja-JP" altLang="en-US" dirty="0"/>
-              <a:t>　ソートされたデータ列）</a:t>
-            </a:r>
-            <a:endParaRPr lang="en-US" altLang="ja-JP" dirty="0"/>
-          </a:p>
-        </p:txBody>
-      </p:sp>
-    </p:spTree>
-    <p:extLst>
-      <p:ext uri="{BB962C8B-B14F-4D97-AF65-F5344CB8AC3E}">
-        <p14:creationId xmlns:p14="http://schemas.microsoft.com/office/powerpoint/2010/main" val="1786727034"/>
-      </p:ext>
-    </p:extLst>
-  </p:cSld>
-  <p:clrMapOvr>
-    <a:masterClrMapping/>
-  </p:clrMapOvr>
-</p:sld>
-</file>
-
 <file path=ppt/slides/slide2.xml><?xml version="1.0" encoding="utf-8"?>
 <p:sld xmlns:a="http://schemas.openxmlformats.org/drawingml/2006/main" xmlns:r="http://schemas.openxmlformats.org/officeDocument/2006/relationships" xmlns:p="http://schemas.openxmlformats.org/presentationml/2006/main">
   <p:cSld>
@@ -3999,7 +3784,15 @@
             </a:r>
             <a:r>
               <a:rPr lang="ja-JP" altLang="en-US" sz="2800" dirty="0"/>
-              <a:t>指定した値より小さくな最初のキーの</a:t>
+              <a:t>指定した値</a:t>
+            </a:r>
+            <a:r>
+              <a:rPr lang="ja-JP" altLang="en-US" sz="2800"/>
+              <a:t>より小さい</a:t>
+            </a:r>
+            <a:r>
+              <a:rPr lang="ja-JP" altLang="en-US" sz="2800" dirty="0"/>
+              <a:t>最初のキーの</a:t>
             </a:r>
             <a:br>
               <a:rPr lang="en-US" altLang="ja-JP" sz="2800" dirty="0"/>
@@ -9711,7 +9504,60 @@
                 </a:solidFill>
                 <a:ea typeface="ＭＳ ゴシック" panose="020B0609070205080204" pitchFamily="49" charset="-128"/>
               </a:rPr>
-              <a:t> it = </a:t>
+              <a:t> it: names) {		</a:t>
+            </a:r>
+            <a:r>
+              <a:rPr lang="en-US" altLang="ja-JP" sz="1800" dirty="0">
+                <a:solidFill>
+                  <a:srgbClr val="008000"/>
+                </a:solidFill>
+                <a:ea typeface="ＭＳ ゴシック" panose="020B0609070205080204" pitchFamily="49" charset="-128"/>
+              </a:rPr>
+              <a:t> //</a:t>
+            </a:r>
+            <a:r>
+              <a:rPr lang="ja-JP" altLang="en-US" sz="1800" dirty="0">
+                <a:solidFill>
+                  <a:srgbClr val="008000"/>
+                </a:solidFill>
+                <a:ea typeface="ＭＳ ゴシック" panose="020B0609070205080204" pitchFamily="49" charset="-128"/>
+              </a:rPr>
+              <a:t>範囲</a:t>
+            </a:r>
+            <a:r>
+              <a:rPr lang="en-US" altLang="ja-JP" sz="1800" dirty="0">
+                <a:solidFill>
+                  <a:srgbClr val="008000"/>
+                </a:solidFill>
+                <a:ea typeface="ＭＳ ゴシック" panose="020B0609070205080204" pitchFamily="49" charset="-128"/>
+              </a:rPr>
+              <a:t>for</a:t>
+            </a:r>
+            <a:r>
+              <a:rPr lang="ja-JP" altLang="en-US" sz="1800" dirty="0">
+                <a:solidFill>
+                  <a:srgbClr val="008000"/>
+                </a:solidFill>
+                <a:ea typeface="ＭＳ ゴシック" panose="020B0609070205080204" pitchFamily="49" charset="-128"/>
+              </a:rPr>
+              <a:t>文</a:t>
+            </a:r>
+            <a:endParaRPr lang="en-US" altLang="ja-JP" sz="1800" dirty="0">
+              <a:solidFill>
+                <a:srgbClr val="000000"/>
+              </a:solidFill>
+              <a:ea typeface="ＭＳ ゴシック" panose="020B0609070205080204" pitchFamily="49" charset="-128"/>
+            </a:endParaRPr>
+          </a:p>
+          <a:p>
+            <a:r>
+              <a:rPr lang="en-US" altLang="ja-JP" sz="1800" dirty="0">
+                <a:solidFill>
+                  <a:srgbClr val="000000"/>
+                </a:solidFill>
+                <a:ea typeface="ＭＳ ゴシック" panose="020B0609070205080204" pitchFamily="49" charset="-128"/>
+              </a:rPr>
+              <a:t>		</a:t>
             </a:r>
             <a:r>
               <a:rPr lang="en-US" altLang="ja-JP" sz="1800" dirty="0" err="1">
@@ -9720,16 +9566,16 @@
                 </a:solidFill>
                 <a:ea typeface="ＭＳ ゴシック" panose="020B0609070205080204" pitchFamily="49" charset="-128"/>
               </a:rPr>
-              <a:t>names.begin</a:t>
-            </a:r>
-            <a:r>
-              <a:rPr lang="en-US" altLang="ja-JP" sz="1800" dirty="0">
-                <a:solidFill>
-                  <a:srgbClr val="000000"/>
-                </a:solidFill>
-                <a:ea typeface="ＭＳ ゴシック" panose="020B0609070205080204" pitchFamily="49" charset="-128"/>
-              </a:rPr>
-              <a:t>(); it </a:t>
+              <a:t>cout</a:t>
+            </a:r>
+            <a:r>
+              <a:rPr lang="en-US" altLang="ja-JP" sz="1800" dirty="0">
+                <a:solidFill>
+                  <a:srgbClr val="000000"/>
+                </a:solidFill>
+                <a:ea typeface="ＭＳ ゴシック" panose="020B0609070205080204" pitchFamily="49" charset="-128"/>
+              </a:rPr>
+              <a:t> </a:t>
             </a:r>
             <a:r>
               <a:rPr lang="en-US" altLang="ja-JP" sz="1800" dirty="0">
@@ -9738,89 +9584,6 @@
                 </a:solidFill>
                 <a:ea typeface="ＭＳ ゴシック" panose="020B0609070205080204" pitchFamily="49" charset="-128"/>
               </a:rPr>
-              <a:t>!=</a:t>
-            </a:r>
-            <a:r>
-              <a:rPr lang="en-US" altLang="ja-JP" sz="1800" dirty="0">
-                <a:solidFill>
-                  <a:srgbClr val="000000"/>
-                </a:solidFill>
-                <a:ea typeface="ＭＳ ゴシック" panose="020B0609070205080204" pitchFamily="49" charset="-128"/>
-              </a:rPr>
-              <a:t> </a:t>
-            </a:r>
-            <a:r>
-              <a:rPr lang="en-US" altLang="ja-JP" sz="1800" dirty="0" err="1">
-                <a:solidFill>
-                  <a:srgbClr val="000000"/>
-                </a:solidFill>
-                <a:ea typeface="ＭＳ ゴシック" panose="020B0609070205080204" pitchFamily="49" charset="-128"/>
-              </a:rPr>
-              <a:t>names.end</a:t>
-            </a:r>
-            <a:r>
-              <a:rPr lang="en-US" altLang="ja-JP" sz="1800" dirty="0">
-                <a:solidFill>
-                  <a:srgbClr val="000000"/>
-                </a:solidFill>
-                <a:ea typeface="ＭＳ ゴシック" panose="020B0609070205080204" pitchFamily="49" charset="-128"/>
-              </a:rPr>
-              <a:t>(); it</a:t>
-            </a:r>
-            <a:r>
-              <a:rPr lang="en-US" altLang="ja-JP" sz="1800" dirty="0">
-                <a:solidFill>
-                  <a:srgbClr val="008080"/>
-                </a:solidFill>
-                <a:ea typeface="ＭＳ ゴシック" panose="020B0609070205080204" pitchFamily="49" charset="-128"/>
-              </a:rPr>
-              <a:t>++</a:t>
-            </a:r>
-            <a:r>
-              <a:rPr lang="en-US" altLang="ja-JP" sz="1800" dirty="0">
-                <a:solidFill>
-                  <a:srgbClr val="000000"/>
-                </a:solidFill>
-                <a:ea typeface="ＭＳ ゴシック" panose="020B0609070205080204" pitchFamily="49" charset="-128"/>
-              </a:rPr>
-              <a:t>) {</a:t>
-            </a:r>
-          </a:p>
-          <a:p>
-            <a:r>
-              <a:rPr lang="en-US" altLang="ja-JP" sz="1800" dirty="0">
-                <a:solidFill>
-                  <a:srgbClr val="000000"/>
-                </a:solidFill>
-                <a:ea typeface="ＭＳ ゴシック" panose="020B0609070205080204" pitchFamily="49" charset="-128"/>
-              </a:rPr>
-              <a:t>		</a:t>
-            </a:r>
-            <a:r>
-              <a:rPr lang="en-US" altLang="ja-JP" sz="1800" dirty="0" err="1">
-                <a:solidFill>
-                  <a:srgbClr val="000000"/>
-                </a:solidFill>
-                <a:ea typeface="ＭＳ ゴシック" panose="020B0609070205080204" pitchFamily="49" charset="-128"/>
-              </a:rPr>
-              <a:t>cout</a:t>
-            </a:r>
-            <a:r>
-              <a:rPr lang="en-US" altLang="ja-JP" sz="1800" dirty="0">
-                <a:solidFill>
-                  <a:srgbClr val="000000"/>
-                </a:solidFill>
-                <a:ea typeface="ＭＳ ゴシック" panose="020B0609070205080204" pitchFamily="49" charset="-128"/>
-              </a:rPr>
-              <a:t> </a:t>
-            </a:r>
-            <a:r>
-              <a:rPr lang="en-US" altLang="ja-JP" sz="1800" dirty="0">
-                <a:solidFill>
-                  <a:srgbClr val="008080"/>
-                </a:solidFill>
-                <a:ea typeface="ＭＳ ゴシック" panose="020B0609070205080204" pitchFamily="49" charset="-128"/>
-              </a:rPr>
               <a:t>&lt;&lt;</a:t>
             </a:r>
             <a:r>
@@ -9830,25 +9593,7 @@
                 </a:solidFill>
                 <a:ea typeface="ＭＳ ゴシック" panose="020B0609070205080204" pitchFamily="49" charset="-128"/>
               </a:rPr>
-              <a:t> </a:t>
-            </a:r>
-            <a:r>
-              <a:rPr lang="en-US" altLang="ja-JP" sz="1800" dirty="0">
-                <a:solidFill>
-                  <a:srgbClr val="008080"/>
-                </a:solidFill>
-                <a:ea typeface="ＭＳ ゴシック" panose="020B0609070205080204" pitchFamily="49" charset="-128"/>
-              </a:rPr>
-              <a:t>*</a:t>
-            </a:r>
-            <a:r>
-              <a:rPr lang="en-US" altLang="ja-JP" sz="1800" dirty="0">
-                <a:solidFill>
-                  <a:srgbClr val="000000"/>
-                </a:solidFill>
-                <a:ea typeface="ＭＳ ゴシック" panose="020B0609070205080204" pitchFamily="49" charset="-128"/>
-              </a:rPr>
-              <a:t>it </a:t>
+              <a:t> it </a:t>
             </a:r>
             <a:r>
               <a:rPr lang="en-US" altLang="ja-JP" sz="1800" dirty="0">
@@ -10556,7 +10301,7 @@
         </p:nvSpPr>
         <p:spPr>
           <a:xfrm>
-            <a:off x="614464" y="3764600"/>
+            <a:off x="614464" y="3978616"/>
             <a:ext cx="426396" cy="282102"/>
           </a:xfrm>
           <a:prstGeom prst="rightArrow">
@@ -10591,10 +10336,59 @@
           </a:p>
         </p:txBody>
       </p:sp>
+      <p:sp>
+        <p:nvSpPr>
+          <p:cNvPr id="6" name="矢印: 右 5">
+            <a:extLst>
+              <a:ext uri="{FF2B5EF4-FFF2-40B4-BE49-F238E27FC236}">
+                <a16:creationId xmlns:a16="http://schemas.microsoft.com/office/drawing/2014/main" id="{F1C15975-6D3B-9F89-6C98-DD617D1DEF86}"/>
+              </a:ext>
+            </a:extLst>
+          </p:cNvPr>
+          <p:cNvSpPr/>
+          <p:nvPr/>
+        </p:nvSpPr>
+        <p:spPr>
+          <a:xfrm>
+            <a:off x="611222" y="4238024"/>
+            <a:ext cx="426396" cy="282102"/>
+          </a:xfrm>
+          <a:prstGeom prst="rightArrow">
+            <a:avLst/>
+          </a:prstGeom>
+          <a:solidFill>
+            <a:srgbClr val="FF0000"/>
+          </a:solidFill>
+        </p:spPr>
+        <p:style>
+          <a:lnRef idx="2">
+            <a:schemeClr val="accent1">
+              <a:shade val="15000"/>
+            </a:schemeClr>
+          </a:lnRef>
+          <a:fillRef idx="1">
+            <a:schemeClr val="accent1"/>
+          </a:fillRef>
+          <a:effectRef idx="0">
+            <a:schemeClr val="accent1"/>
+          </a:effectRef>
+          <a:fontRef idx="minor">
+            <a:schemeClr val="lt1"/>
+          </a:fontRef>
+        </p:style>
+        <p:txBody>
+          <a:bodyPr rtlCol="0" anchor="ctr"/>
+          <a:lstStyle/>
+          <a:p>
+            <a:pPr algn="ctr"/>
+            <a:endParaRPr kumimoji="1" lang="ja-JP" altLang="en-US"/>
+          </a:p>
+        </p:txBody>
+      </p:sp>
     </p:spTree>
     <p:extLst>
       <p:ext uri="{BB962C8B-B14F-4D97-AF65-F5344CB8AC3E}">
-        <p14:creationId xmlns:p14="http://schemas.microsoft.com/office/powerpoint/2010/main" val="1910172981"/>
+        <p14:creationId xmlns:p14="http://schemas.microsoft.com/office/powerpoint/2010/main" val="1697821543"/>
       </p:ext>
     </p:extLst>
   </p:cSld>
@@ -11480,1644 +11274,6 @@
             <a:r>
               <a:rPr lang="en-US" altLang="ja-JP" sz="1800" dirty="0">
                 <a:solidFill>
-                  <a:srgbClr val="2B91AF"/>
-                </a:solidFill>
-                <a:ea typeface="ＭＳ ゴシック" panose="020B0609070205080204" pitchFamily="49" charset="-128"/>
-              </a:rPr>
-              <a:t>	string</a:t>
-            </a:r>
-            <a:r>
-              <a:rPr lang="en-US" altLang="ja-JP" sz="1800" dirty="0">
-                <a:solidFill>
-                  <a:srgbClr val="000000"/>
-                </a:solidFill>
-                <a:ea typeface="ＭＳ ゴシック" panose="020B0609070205080204" pitchFamily="49" charset="-128"/>
-              </a:rPr>
-              <a:t> n[] = { </a:t>
-            </a:r>
-            <a:r>
-              <a:rPr lang="en-US" altLang="ja-JP" sz="1800" dirty="0">
-                <a:solidFill>
-                  <a:srgbClr val="A31515"/>
-                </a:solidFill>
-                <a:ea typeface="ＭＳ ゴシック" panose="020B0609070205080204" pitchFamily="49" charset="-128"/>
-              </a:rPr>
-              <a:t>"</a:t>
-            </a:r>
-            <a:r>
-              <a:rPr lang="en-US" altLang="ja-JP" sz="1800" dirty="0" err="1">
-                <a:solidFill>
-                  <a:srgbClr val="A31515"/>
-                </a:solidFill>
-                <a:ea typeface="ＭＳ ゴシック" panose="020B0609070205080204" pitchFamily="49" charset="-128"/>
-              </a:rPr>
-              <a:t>Bob"</a:t>
-            </a:r>
-            <a:r>
-              <a:rPr lang="en-US" altLang="ja-JP" sz="1800" dirty="0" err="1">
-                <a:solidFill>
-                  <a:srgbClr val="000000"/>
-                </a:solidFill>
-                <a:ea typeface="ＭＳ ゴシック" panose="020B0609070205080204" pitchFamily="49" charset="-128"/>
-              </a:rPr>
-              <a:t>,</a:t>
-            </a:r>
-            <a:r>
-              <a:rPr lang="en-US" altLang="ja-JP" sz="1800" dirty="0" err="1">
-                <a:solidFill>
-                  <a:srgbClr val="A31515"/>
-                </a:solidFill>
-                <a:ea typeface="ＭＳ ゴシック" panose="020B0609070205080204" pitchFamily="49" charset="-128"/>
-              </a:rPr>
-              <a:t>"Steve</a:t>
-            </a:r>
-            <a:r>
-              <a:rPr lang="en-US" altLang="ja-JP" sz="1800" dirty="0">
-                <a:solidFill>
-                  <a:srgbClr val="A31515"/>
-                </a:solidFill>
-                <a:ea typeface="ＭＳ ゴシック" panose="020B0609070205080204" pitchFamily="49" charset="-128"/>
-              </a:rPr>
-              <a:t>"</a:t>
-            </a:r>
-            <a:r>
-              <a:rPr lang="en-US" altLang="ja-JP" sz="1800" dirty="0">
-                <a:solidFill>
-                  <a:srgbClr val="000000"/>
-                </a:solidFill>
-                <a:ea typeface="ＭＳ ゴシック" panose="020B0609070205080204" pitchFamily="49" charset="-128"/>
-              </a:rPr>
-              <a:t> }; 	</a:t>
-            </a:r>
-            <a:r>
-              <a:rPr lang="en-US" altLang="ja-JP" sz="1800" dirty="0">
-                <a:solidFill>
-                  <a:srgbClr val="008000"/>
-                </a:solidFill>
-                <a:ea typeface="ＭＳ ゴシック" panose="020B0609070205080204" pitchFamily="49" charset="-128"/>
-              </a:rPr>
-              <a:t>//</a:t>
-            </a:r>
-            <a:r>
-              <a:rPr lang="ja-JP" altLang="en-US" sz="1800" dirty="0">
-                <a:solidFill>
-                  <a:srgbClr val="008000"/>
-                </a:solidFill>
-                <a:ea typeface="ＭＳ ゴシック" panose="020B0609070205080204" pitchFamily="49" charset="-128"/>
-              </a:rPr>
-              <a:t>検索するキー</a:t>
-            </a:r>
-            <a:r>
-              <a:rPr lang="en-US" altLang="ja-JP" sz="1800" dirty="0">
-                <a:solidFill>
-                  <a:srgbClr val="008000"/>
-                </a:solidFill>
-                <a:ea typeface="ＭＳ ゴシック" panose="020B0609070205080204" pitchFamily="49" charset="-128"/>
-              </a:rPr>
-              <a:t>2</a:t>
-            </a:r>
-            <a:r>
-              <a:rPr lang="ja-JP" altLang="en-US" sz="1800" dirty="0">
-                <a:solidFill>
-                  <a:srgbClr val="008000"/>
-                </a:solidFill>
-                <a:ea typeface="ＭＳ ゴシック" panose="020B0609070205080204" pitchFamily="49" charset="-128"/>
-              </a:rPr>
-              <a:t>つ</a:t>
-            </a:r>
-            <a:endParaRPr lang="ja-JP" altLang="en-US" sz="1800" dirty="0">
-              <a:solidFill>
-                <a:srgbClr val="000000"/>
-              </a:solidFill>
-              <a:ea typeface="ＭＳ ゴシック" panose="020B0609070205080204" pitchFamily="49" charset="-128"/>
-            </a:endParaRPr>
-          </a:p>
-          <a:p>
-            <a:r>
-              <a:rPr lang="nn-NO" altLang="ja-JP" sz="1800" dirty="0">
-                <a:solidFill>
-                  <a:srgbClr val="0000FF"/>
-                </a:solidFill>
-                <a:ea typeface="ＭＳ ゴシック" panose="020B0609070205080204" pitchFamily="49" charset="-128"/>
-              </a:rPr>
-              <a:t>	for</a:t>
-            </a:r>
-            <a:r>
-              <a:rPr lang="nn-NO" altLang="ja-JP" sz="1800" dirty="0">
-                <a:solidFill>
-                  <a:srgbClr val="000000"/>
-                </a:solidFill>
-                <a:ea typeface="ＭＳ ゴシック" panose="020B0609070205080204" pitchFamily="49" charset="-128"/>
-              </a:rPr>
-              <a:t> (</a:t>
-            </a:r>
-            <a:r>
-              <a:rPr lang="nn-NO" altLang="ja-JP" sz="1800" dirty="0">
-                <a:solidFill>
-                  <a:srgbClr val="0000FF"/>
-                </a:solidFill>
-                <a:ea typeface="ＭＳ ゴシック" panose="020B0609070205080204" pitchFamily="49" charset="-128"/>
-              </a:rPr>
-              <a:t>int</a:t>
-            </a:r>
-            <a:r>
-              <a:rPr lang="nn-NO" altLang="ja-JP" sz="1800" dirty="0">
-                <a:solidFill>
-                  <a:srgbClr val="000000"/>
-                </a:solidFill>
-                <a:ea typeface="ＭＳ ゴシック" panose="020B0609070205080204" pitchFamily="49" charset="-128"/>
-              </a:rPr>
-              <a:t> i = 0; i &lt; size(n); i++) {</a:t>
-            </a:r>
-          </a:p>
-          <a:p>
-            <a:r>
-              <a:rPr lang="en-US" altLang="ja-JP" sz="1800" dirty="0">
-                <a:solidFill>
-                  <a:srgbClr val="0000FF"/>
-                </a:solidFill>
-                <a:ea typeface="ＭＳ ゴシック" panose="020B0609070205080204" pitchFamily="49" charset="-128"/>
-              </a:rPr>
-              <a:t>		auto</a:t>
-            </a:r>
-            <a:r>
-              <a:rPr lang="en-US" altLang="ja-JP" sz="1800" dirty="0">
-                <a:solidFill>
-                  <a:srgbClr val="000000"/>
-                </a:solidFill>
-                <a:ea typeface="ＭＳ ゴシック" panose="020B0609070205080204" pitchFamily="49" charset="-128"/>
-              </a:rPr>
-              <a:t> it = </a:t>
-            </a:r>
-            <a:r>
-              <a:rPr lang="en-US" altLang="ja-JP" sz="1800" dirty="0" err="1">
-                <a:solidFill>
-                  <a:srgbClr val="000000"/>
-                </a:solidFill>
-                <a:ea typeface="ＭＳ ゴシック" panose="020B0609070205080204" pitchFamily="49" charset="-128"/>
-              </a:rPr>
-              <a:t>names.find</a:t>
-            </a:r>
-            <a:r>
-              <a:rPr lang="en-US" altLang="ja-JP" sz="1800" dirty="0">
-                <a:solidFill>
-                  <a:srgbClr val="000000"/>
-                </a:solidFill>
-                <a:ea typeface="ＭＳ ゴシック" panose="020B0609070205080204" pitchFamily="49" charset="-128"/>
-              </a:rPr>
-              <a:t>(n[</a:t>
-            </a:r>
-            <a:r>
-              <a:rPr lang="en-US" altLang="ja-JP" sz="1800" dirty="0" err="1">
-                <a:solidFill>
-                  <a:srgbClr val="000000"/>
-                </a:solidFill>
-                <a:ea typeface="ＭＳ ゴシック" panose="020B0609070205080204" pitchFamily="49" charset="-128"/>
-              </a:rPr>
-              <a:t>i</a:t>
-            </a:r>
-            <a:r>
-              <a:rPr lang="en-US" altLang="ja-JP" sz="1800" dirty="0">
-                <a:solidFill>
-                  <a:srgbClr val="000000"/>
-                </a:solidFill>
-                <a:ea typeface="ＭＳ ゴシック" panose="020B0609070205080204" pitchFamily="49" charset="-128"/>
-              </a:rPr>
-              <a:t>]); 	</a:t>
-            </a:r>
-            <a:r>
-              <a:rPr lang="en-US" altLang="ja-JP" sz="1800" dirty="0">
-                <a:solidFill>
-                  <a:srgbClr val="008000"/>
-                </a:solidFill>
-                <a:ea typeface="ＭＳ ゴシック" panose="020B0609070205080204" pitchFamily="49" charset="-128"/>
-              </a:rPr>
-              <a:t>//</a:t>
-            </a:r>
-            <a:r>
-              <a:rPr lang="ja-JP" altLang="en-US" sz="1800" dirty="0">
-                <a:solidFill>
-                  <a:srgbClr val="008000"/>
-                </a:solidFill>
-                <a:ea typeface="ＭＳ ゴシック" panose="020B0609070205080204" pitchFamily="49" charset="-128"/>
-              </a:rPr>
-              <a:t>キーを順番に検索</a:t>
-            </a:r>
-            <a:endParaRPr lang="ja-JP" altLang="en-US" sz="1800" dirty="0">
-              <a:solidFill>
-                <a:srgbClr val="000000"/>
-              </a:solidFill>
-              <a:ea typeface="ＭＳ ゴシック" panose="020B0609070205080204" pitchFamily="49" charset="-128"/>
-            </a:endParaRPr>
-          </a:p>
-          <a:p>
-            <a:r>
-              <a:rPr lang="en-US" altLang="ja-JP" sz="1800" dirty="0">
-                <a:solidFill>
-                  <a:srgbClr val="0000FF"/>
-                </a:solidFill>
-                <a:ea typeface="ＭＳ ゴシック" panose="020B0609070205080204" pitchFamily="49" charset="-128"/>
-              </a:rPr>
-              <a:t>		if</a:t>
-            </a:r>
-            <a:r>
-              <a:rPr lang="en-US" altLang="ja-JP" sz="1800" dirty="0">
-                <a:solidFill>
-                  <a:srgbClr val="000000"/>
-                </a:solidFill>
-                <a:ea typeface="ＭＳ ゴシック" panose="020B0609070205080204" pitchFamily="49" charset="-128"/>
-              </a:rPr>
-              <a:t> (it </a:t>
-            </a:r>
-            <a:r>
-              <a:rPr lang="en-US" altLang="ja-JP" sz="1800" dirty="0">
-                <a:solidFill>
-                  <a:srgbClr val="008080"/>
-                </a:solidFill>
-                <a:ea typeface="ＭＳ ゴシック" panose="020B0609070205080204" pitchFamily="49" charset="-128"/>
-              </a:rPr>
-              <a:t>==</a:t>
-            </a:r>
-            <a:r>
-              <a:rPr lang="en-US" altLang="ja-JP" sz="1800" dirty="0">
-                <a:solidFill>
-                  <a:srgbClr val="000000"/>
-                </a:solidFill>
-                <a:ea typeface="ＭＳ ゴシック" panose="020B0609070205080204" pitchFamily="49" charset="-128"/>
-              </a:rPr>
-              <a:t> </a:t>
-            </a:r>
-            <a:r>
-              <a:rPr lang="en-US" altLang="ja-JP" sz="1800" dirty="0" err="1">
-                <a:solidFill>
-                  <a:srgbClr val="000000"/>
-                </a:solidFill>
-                <a:ea typeface="ＭＳ ゴシック" panose="020B0609070205080204" pitchFamily="49" charset="-128"/>
-              </a:rPr>
-              <a:t>names.end</a:t>
-            </a:r>
-            <a:r>
-              <a:rPr lang="en-US" altLang="ja-JP" sz="1800" dirty="0">
-                <a:solidFill>
-                  <a:srgbClr val="000000"/>
-                </a:solidFill>
-                <a:ea typeface="ＭＳ ゴシック" panose="020B0609070205080204" pitchFamily="49" charset="-128"/>
-              </a:rPr>
-              <a:t>()) { 		</a:t>
-            </a:r>
-            <a:r>
-              <a:rPr lang="en-US" altLang="ja-JP" sz="1800" dirty="0">
-                <a:solidFill>
-                  <a:srgbClr val="008000"/>
-                </a:solidFill>
-                <a:ea typeface="ＭＳ ゴシック" panose="020B0609070205080204" pitchFamily="49" charset="-128"/>
-              </a:rPr>
-              <a:t>//</a:t>
-            </a:r>
-            <a:r>
-              <a:rPr lang="ja-JP" altLang="en-US" sz="1800" dirty="0">
-                <a:solidFill>
-                  <a:srgbClr val="008000"/>
-                </a:solidFill>
-                <a:ea typeface="ＭＳ ゴシック" panose="020B0609070205080204" pitchFamily="49" charset="-128"/>
-              </a:rPr>
-              <a:t>キーが見つからなかった</a:t>
-            </a:r>
-            <a:endParaRPr lang="ja-JP" altLang="en-US" sz="1800" dirty="0">
-              <a:solidFill>
-                <a:srgbClr val="000000"/>
-              </a:solidFill>
-              <a:ea typeface="ＭＳ ゴシック" panose="020B0609070205080204" pitchFamily="49" charset="-128"/>
-            </a:endParaRPr>
-          </a:p>
-          <a:p>
-            <a:r>
-              <a:rPr lang="en-US" altLang="ja-JP" sz="1800" dirty="0">
-                <a:solidFill>
-                  <a:srgbClr val="000000"/>
-                </a:solidFill>
-                <a:ea typeface="ＭＳ ゴシック" panose="020B0609070205080204" pitchFamily="49" charset="-128"/>
-              </a:rPr>
-              <a:t>			</a:t>
-            </a:r>
-            <a:r>
-              <a:rPr lang="en-US" altLang="ja-JP" sz="1800" dirty="0" err="1">
-                <a:solidFill>
-                  <a:srgbClr val="000000"/>
-                </a:solidFill>
-                <a:ea typeface="ＭＳ ゴシック" panose="020B0609070205080204" pitchFamily="49" charset="-128"/>
-              </a:rPr>
-              <a:t>cout</a:t>
-            </a:r>
-            <a:r>
-              <a:rPr lang="en-US" altLang="ja-JP" sz="1800" dirty="0">
-                <a:solidFill>
-                  <a:srgbClr val="000000"/>
-                </a:solidFill>
-                <a:ea typeface="ＭＳ ゴシック" panose="020B0609070205080204" pitchFamily="49" charset="-128"/>
-              </a:rPr>
-              <a:t> </a:t>
-            </a:r>
-            <a:r>
-              <a:rPr lang="en-US" altLang="ja-JP" sz="1800" dirty="0">
-                <a:solidFill>
-                  <a:srgbClr val="008080"/>
-                </a:solidFill>
-                <a:ea typeface="ＭＳ ゴシック" panose="020B0609070205080204" pitchFamily="49" charset="-128"/>
-              </a:rPr>
-              <a:t>&lt;&lt;</a:t>
-            </a:r>
-            <a:r>
-              <a:rPr lang="en-US" altLang="ja-JP" sz="1800" dirty="0">
-                <a:solidFill>
-                  <a:srgbClr val="000000"/>
-                </a:solidFill>
-                <a:ea typeface="ＭＳ ゴシック" panose="020B0609070205080204" pitchFamily="49" charset="-128"/>
-              </a:rPr>
-              <a:t> n[</a:t>
-            </a:r>
-            <a:r>
-              <a:rPr lang="en-US" altLang="ja-JP" sz="1800" dirty="0" err="1">
-                <a:solidFill>
-                  <a:srgbClr val="000000"/>
-                </a:solidFill>
-                <a:ea typeface="ＭＳ ゴシック" panose="020B0609070205080204" pitchFamily="49" charset="-128"/>
-              </a:rPr>
-              <a:t>i</a:t>
-            </a:r>
-            <a:r>
-              <a:rPr lang="en-US" altLang="ja-JP" sz="1800" dirty="0">
-                <a:solidFill>
-                  <a:srgbClr val="000000"/>
-                </a:solidFill>
-                <a:ea typeface="ＭＳ ゴシック" panose="020B0609070205080204" pitchFamily="49" charset="-128"/>
-              </a:rPr>
-              <a:t>] </a:t>
-            </a:r>
-            <a:r>
-              <a:rPr lang="en-US" altLang="ja-JP" sz="1800" dirty="0">
-                <a:solidFill>
-                  <a:srgbClr val="008080"/>
-                </a:solidFill>
-                <a:ea typeface="ＭＳ ゴシック" panose="020B0609070205080204" pitchFamily="49" charset="-128"/>
-              </a:rPr>
-              <a:t>&lt;&lt;</a:t>
-            </a:r>
-            <a:r>
-              <a:rPr lang="en-US" altLang="ja-JP" sz="1800" dirty="0">
-                <a:solidFill>
-                  <a:srgbClr val="000000"/>
-                </a:solidFill>
-                <a:ea typeface="ＭＳ ゴシック" panose="020B0609070205080204" pitchFamily="49" charset="-128"/>
-              </a:rPr>
-              <a:t> </a:t>
-            </a:r>
-            <a:r>
-              <a:rPr lang="en-US" altLang="ja-JP" sz="1800" dirty="0">
-                <a:solidFill>
-                  <a:srgbClr val="A31515"/>
-                </a:solidFill>
-                <a:ea typeface="ＭＳ ゴシック" panose="020B0609070205080204" pitchFamily="49" charset="-128"/>
-              </a:rPr>
-              <a:t>" is not in a set."</a:t>
-            </a:r>
-            <a:r>
-              <a:rPr lang="en-US" altLang="ja-JP" sz="1800" dirty="0">
-                <a:solidFill>
-                  <a:srgbClr val="000000"/>
-                </a:solidFill>
-                <a:ea typeface="ＭＳ ゴシック" panose="020B0609070205080204" pitchFamily="49" charset="-128"/>
-              </a:rPr>
-              <a:t> </a:t>
-            </a:r>
-            <a:r>
-              <a:rPr lang="en-US" altLang="ja-JP" sz="1800" dirty="0">
-                <a:solidFill>
-                  <a:srgbClr val="008080"/>
-                </a:solidFill>
-                <a:ea typeface="ＭＳ ゴシック" panose="020B0609070205080204" pitchFamily="49" charset="-128"/>
-              </a:rPr>
-              <a:t>&lt;&lt;</a:t>
-            </a:r>
-            <a:r>
-              <a:rPr lang="en-US" altLang="ja-JP" sz="1800" dirty="0">
-                <a:solidFill>
-                  <a:srgbClr val="000000"/>
-                </a:solidFill>
-                <a:ea typeface="ＭＳ ゴシック" panose="020B0609070205080204" pitchFamily="49" charset="-128"/>
-              </a:rPr>
-              <a:t> </a:t>
-            </a:r>
-            <a:r>
-              <a:rPr lang="en-US" altLang="ja-JP" sz="1800" dirty="0" err="1">
-                <a:solidFill>
-                  <a:srgbClr val="000000"/>
-                </a:solidFill>
-                <a:ea typeface="ＭＳ ゴシック" panose="020B0609070205080204" pitchFamily="49" charset="-128"/>
-              </a:rPr>
-              <a:t>endl</a:t>
-            </a:r>
-            <a:r>
-              <a:rPr lang="en-US" altLang="ja-JP" sz="1800" dirty="0">
-                <a:solidFill>
-                  <a:srgbClr val="000000"/>
-                </a:solidFill>
-                <a:ea typeface="ＭＳ ゴシック" panose="020B0609070205080204" pitchFamily="49" charset="-128"/>
-              </a:rPr>
-              <a:t>;	}</a:t>
-            </a:r>
-          </a:p>
-          <a:p>
-            <a:r>
-              <a:rPr lang="en-US" altLang="ja-JP" sz="1800" dirty="0">
-                <a:solidFill>
-                  <a:srgbClr val="0000FF"/>
-                </a:solidFill>
-                <a:ea typeface="ＭＳ ゴシック" panose="020B0609070205080204" pitchFamily="49" charset="-128"/>
-              </a:rPr>
-              <a:t>		else</a:t>
-            </a:r>
-            <a:r>
-              <a:rPr lang="ja-JP" altLang="en-US" sz="1800" dirty="0">
-                <a:solidFill>
-                  <a:srgbClr val="000000"/>
-                </a:solidFill>
-                <a:ea typeface="ＭＳ ゴシック" panose="020B0609070205080204" pitchFamily="49" charset="-128"/>
-              </a:rPr>
-              <a:t> </a:t>
-            </a:r>
-            <a:r>
-              <a:rPr lang="en-US" altLang="ja-JP" sz="1800" dirty="0">
-                <a:solidFill>
-                  <a:srgbClr val="000000"/>
-                </a:solidFill>
-                <a:ea typeface="ＭＳ ゴシック" panose="020B0609070205080204" pitchFamily="49" charset="-128"/>
-              </a:rPr>
-              <a:t>{ 							</a:t>
-            </a:r>
-            <a:r>
-              <a:rPr lang="en-US" altLang="ja-JP" sz="1800" dirty="0">
-                <a:solidFill>
-                  <a:srgbClr val="008000"/>
-                </a:solidFill>
-                <a:ea typeface="ＭＳ ゴシック" panose="020B0609070205080204" pitchFamily="49" charset="-128"/>
-              </a:rPr>
-              <a:t>//</a:t>
-            </a:r>
-            <a:r>
-              <a:rPr lang="ja-JP" altLang="en-US" sz="1800" dirty="0">
-                <a:solidFill>
-                  <a:srgbClr val="008000"/>
-                </a:solidFill>
-                <a:ea typeface="ＭＳ ゴシック" panose="020B0609070205080204" pitchFamily="49" charset="-128"/>
-              </a:rPr>
-              <a:t>キーが見つかった</a:t>
-            </a:r>
-            <a:endParaRPr lang="ja-JP" altLang="en-US" sz="1800" dirty="0">
-              <a:solidFill>
-                <a:srgbClr val="000000"/>
-              </a:solidFill>
-              <a:ea typeface="ＭＳ ゴシック" panose="020B0609070205080204" pitchFamily="49" charset="-128"/>
-            </a:endParaRPr>
-          </a:p>
-          <a:p>
-            <a:r>
-              <a:rPr lang="en-US" altLang="ja-JP" sz="1800" dirty="0">
-                <a:solidFill>
-                  <a:srgbClr val="000000"/>
-                </a:solidFill>
-                <a:ea typeface="ＭＳ ゴシック" panose="020B0609070205080204" pitchFamily="49" charset="-128"/>
-              </a:rPr>
-              <a:t>			</a:t>
-            </a:r>
-            <a:r>
-              <a:rPr lang="en-US" altLang="ja-JP" sz="1800" dirty="0" err="1">
-                <a:solidFill>
-                  <a:srgbClr val="000000"/>
-                </a:solidFill>
-                <a:ea typeface="ＭＳ ゴシック" panose="020B0609070205080204" pitchFamily="49" charset="-128"/>
-              </a:rPr>
-              <a:t>cout</a:t>
-            </a:r>
-            <a:r>
-              <a:rPr lang="en-US" altLang="ja-JP" sz="1800" dirty="0">
-                <a:solidFill>
-                  <a:srgbClr val="000000"/>
-                </a:solidFill>
-                <a:ea typeface="ＭＳ ゴシック" panose="020B0609070205080204" pitchFamily="49" charset="-128"/>
-              </a:rPr>
-              <a:t> </a:t>
-            </a:r>
-            <a:r>
-              <a:rPr lang="en-US" altLang="ja-JP" sz="1800" dirty="0">
-                <a:solidFill>
-                  <a:srgbClr val="008080"/>
-                </a:solidFill>
-                <a:ea typeface="ＭＳ ゴシック" panose="020B0609070205080204" pitchFamily="49" charset="-128"/>
-              </a:rPr>
-              <a:t>&lt;&lt;</a:t>
-            </a:r>
-            <a:r>
-              <a:rPr lang="en-US" altLang="ja-JP" sz="1800" dirty="0">
-                <a:solidFill>
-                  <a:srgbClr val="000000"/>
-                </a:solidFill>
-                <a:ea typeface="ＭＳ ゴシック" panose="020B0609070205080204" pitchFamily="49" charset="-128"/>
-              </a:rPr>
-              <a:t> n[</a:t>
-            </a:r>
-            <a:r>
-              <a:rPr lang="en-US" altLang="ja-JP" sz="1800" dirty="0" err="1">
-                <a:solidFill>
-                  <a:srgbClr val="000000"/>
-                </a:solidFill>
-                <a:ea typeface="ＭＳ ゴシック" panose="020B0609070205080204" pitchFamily="49" charset="-128"/>
-              </a:rPr>
-              <a:t>i</a:t>
-            </a:r>
-            <a:r>
-              <a:rPr lang="en-US" altLang="ja-JP" sz="1800" dirty="0">
-                <a:solidFill>
-                  <a:srgbClr val="000000"/>
-                </a:solidFill>
-                <a:ea typeface="ＭＳ ゴシック" panose="020B0609070205080204" pitchFamily="49" charset="-128"/>
-              </a:rPr>
-              <a:t>] </a:t>
-            </a:r>
-            <a:r>
-              <a:rPr lang="en-US" altLang="ja-JP" sz="1800" dirty="0">
-                <a:solidFill>
-                  <a:srgbClr val="008080"/>
-                </a:solidFill>
-                <a:ea typeface="ＭＳ ゴシック" panose="020B0609070205080204" pitchFamily="49" charset="-128"/>
-              </a:rPr>
-              <a:t>&lt;&lt;</a:t>
-            </a:r>
-            <a:r>
-              <a:rPr lang="en-US" altLang="ja-JP" sz="1800" dirty="0">
-                <a:solidFill>
-                  <a:srgbClr val="000000"/>
-                </a:solidFill>
-                <a:ea typeface="ＭＳ ゴシック" panose="020B0609070205080204" pitchFamily="49" charset="-128"/>
-              </a:rPr>
-              <a:t> </a:t>
-            </a:r>
-            <a:r>
-              <a:rPr lang="en-US" altLang="ja-JP" sz="1800" dirty="0">
-                <a:solidFill>
-                  <a:srgbClr val="A31515"/>
-                </a:solidFill>
-                <a:ea typeface="ＭＳ ゴシック" panose="020B0609070205080204" pitchFamily="49" charset="-128"/>
-              </a:rPr>
-              <a:t>" is in a set."</a:t>
-            </a:r>
-            <a:r>
-              <a:rPr lang="en-US" altLang="ja-JP" sz="1800" dirty="0">
-                <a:solidFill>
-                  <a:srgbClr val="000000"/>
-                </a:solidFill>
-                <a:ea typeface="ＭＳ ゴシック" panose="020B0609070205080204" pitchFamily="49" charset="-128"/>
-              </a:rPr>
-              <a:t> </a:t>
-            </a:r>
-            <a:r>
-              <a:rPr lang="en-US" altLang="ja-JP" sz="1800" dirty="0">
-                <a:solidFill>
-                  <a:srgbClr val="008080"/>
-                </a:solidFill>
-                <a:ea typeface="ＭＳ ゴシック" panose="020B0609070205080204" pitchFamily="49" charset="-128"/>
-              </a:rPr>
-              <a:t>&lt;&lt;</a:t>
-            </a:r>
-            <a:r>
-              <a:rPr lang="en-US" altLang="ja-JP" sz="1800" dirty="0">
-                <a:solidFill>
-                  <a:srgbClr val="000000"/>
-                </a:solidFill>
-                <a:ea typeface="ＭＳ ゴシック" panose="020B0609070205080204" pitchFamily="49" charset="-128"/>
-              </a:rPr>
-              <a:t> </a:t>
-            </a:r>
-            <a:r>
-              <a:rPr lang="en-US" altLang="ja-JP" sz="1800" dirty="0" err="1">
-                <a:solidFill>
-                  <a:srgbClr val="000000"/>
-                </a:solidFill>
-                <a:ea typeface="ＭＳ ゴシック" panose="020B0609070205080204" pitchFamily="49" charset="-128"/>
-              </a:rPr>
-              <a:t>endl</a:t>
-            </a:r>
-            <a:r>
-              <a:rPr lang="en-US" altLang="ja-JP" sz="1800" dirty="0">
-                <a:solidFill>
-                  <a:srgbClr val="000000"/>
-                </a:solidFill>
-                <a:ea typeface="ＭＳ ゴシック" panose="020B0609070205080204" pitchFamily="49" charset="-128"/>
-              </a:rPr>
-              <a:t>;	}</a:t>
-            </a:r>
-          </a:p>
-          <a:p>
-            <a:r>
-              <a:rPr lang="en-US" altLang="ja-JP" sz="1800" dirty="0">
-                <a:solidFill>
-                  <a:srgbClr val="000000"/>
-                </a:solidFill>
-                <a:ea typeface="ＭＳ ゴシック" panose="020B0609070205080204" pitchFamily="49" charset="-128"/>
-              </a:rPr>
-              <a:t>	}</a:t>
-            </a:r>
-            <a:endParaRPr kumimoji="1" lang="ja-JP" altLang="en-US" sz="8800" dirty="0"/>
-          </a:p>
-        </p:txBody>
-      </p:sp>
-      <p:sp>
-        <p:nvSpPr>
-          <p:cNvPr id="4" name="矢印: 右 3">
-            <a:extLst>
-              <a:ext uri="{FF2B5EF4-FFF2-40B4-BE49-F238E27FC236}">
-                <a16:creationId xmlns:a16="http://schemas.microsoft.com/office/drawing/2014/main" id="{8D2D2393-08B8-FA07-51BE-29F9077DA492}"/>
-              </a:ext>
-            </a:extLst>
-          </p:cNvPr>
-          <p:cNvSpPr/>
-          <p:nvPr/>
-        </p:nvSpPr>
-        <p:spPr>
-          <a:xfrm>
-            <a:off x="614464" y="3978616"/>
-            <a:ext cx="426396" cy="282102"/>
-          </a:xfrm>
-          <a:prstGeom prst="rightArrow">
-            <a:avLst/>
-          </a:prstGeom>
-          <a:solidFill>
-            <a:srgbClr val="FF0000"/>
-          </a:solidFill>
-        </p:spPr>
-        <p:style>
-          <a:lnRef idx="2">
-            <a:schemeClr val="accent1">
-              <a:shade val="15000"/>
-            </a:schemeClr>
-          </a:lnRef>
-          <a:fillRef idx="1">
-            <a:schemeClr val="accent1"/>
-          </a:fillRef>
-          <a:effectRef idx="0">
-            <a:schemeClr val="accent1"/>
-          </a:effectRef>
-          <a:fontRef idx="minor">
-            <a:schemeClr val="lt1"/>
-          </a:fontRef>
-        </p:style>
-        <p:txBody>
-          <a:bodyPr rtlCol="0" anchor="ctr"/>
-          <a:lstStyle/>
-          <a:p>
-            <a:pPr algn="ctr"/>
-            <a:endParaRPr kumimoji="1" lang="ja-JP" altLang="en-US"/>
-          </a:p>
-        </p:txBody>
-      </p:sp>
-      <p:sp>
-        <p:nvSpPr>
-          <p:cNvPr id="6" name="矢印: 右 5">
-            <a:extLst>
-              <a:ext uri="{FF2B5EF4-FFF2-40B4-BE49-F238E27FC236}">
-                <a16:creationId xmlns:a16="http://schemas.microsoft.com/office/drawing/2014/main" id="{F1C15975-6D3B-9F89-6C98-DD617D1DEF86}"/>
-              </a:ext>
-            </a:extLst>
-          </p:cNvPr>
-          <p:cNvSpPr/>
-          <p:nvPr/>
-        </p:nvSpPr>
-        <p:spPr>
-          <a:xfrm>
-            <a:off x="611222" y="4238024"/>
-            <a:ext cx="426396" cy="282102"/>
-          </a:xfrm>
-          <a:prstGeom prst="rightArrow">
-            <a:avLst/>
-          </a:prstGeom>
-          <a:solidFill>
-            <a:srgbClr val="FF0000"/>
-          </a:solidFill>
-        </p:spPr>
-        <p:style>
-          <a:lnRef idx="2">
-            <a:schemeClr val="accent1">
-              <a:shade val="15000"/>
-            </a:schemeClr>
-          </a:lnRef>
-          <a:fillRef idx="1">
-            <a:schemeClr val="accent1"/>
-          </a:fillRef>
-          <a:effectRef idx="0">
-            <a:schemeClr val="accent1"/>
-          </a:effectRef>
-          <a:fontRef idx="minor">
-            <a:schemeClr val="lt1"/>
-          </a:fontRef>
-        </p:style>
-        <p:txBody>
-          <a:bodyPr rtlCol="0" anchor="ctr"/>
-          <a:lstStyle/>
-          <a:p>
-            <a:pPr algn="ctr"/>
-            <a:endParaRPr kumimoji="1" lang="ja-JP" altLang="en-US"/>
-          </a:p>
-        </p:txBody>
-      </p:sp>
-    </p:spTree>
-    <p:extLst>
-      <p:ext uri="{BB962C8B-B14F-4D97-AF65-F5344CB8AC3E}">
-        <p14:creationId xmlns:p14="http://schemas.microsoft.com/office/powerpoint/2010/main" val="1697821543"/>
-      </p:ext>
-    </p:extLst>
-  </p:cSld>
-  <p:clrMapOvr>
-    <a:masterClrMapping/>
-  </p:clrMapOvr>
-</p:sld>
-</file>
-
-<file path=ppt/slides/slide9.xml><?xml version="1.0" encoding="utf-8"?>
-<p:sld xmlns:a="http://schemas.openxmlformats.org/drawingml/2006/main" xmlns:r="http://schemas.openxmlformats.org/officeDocument/2006/relationships" xmlns:p="http://schemas.openxmlformats.org/presentationml/2006/main">
-  <p:cSld>
-    <p:spTree>
-      <p:nvGrpSpPr>
-        <p:cNvPr id="1" name=""/>
-        <p:cNvGrpSpPr/>
-        <p:nvPr/>
-      </p:nvGrpSpPr>
-      <p:grpSpPr>
-        <a:xfrm>
-          <a:off x="0" y="0"/>
-          <a:ext cx="0" cy="0"/>
-          <a:chOff x="0" y="0"/>
-          <a:chExt cx="0" cy="0"/>
-        </a:xfrm>
-      </p:grpSpPr>
-      <p:sp>
-        <p:nvSpPr>
-          <p:cNvPr id="2" name="タイトル 1">
-            <a:extLst>
-              <a:ext uri="{FF2B5EF4-FFF2-40B4-BE49-F238E27FC236}">
-                <a16:creationId xmlns:a16="http://schemas.microsoft.com/office/drawing/2014/main" id="{F11F3668-F205-48C5-AC01-19611EFE561B}"/>
-              </a:ext>
-            </a:extLst>
-          </p:cNvPr>
-          <p:cNvSpPr>
-            <a:spLocks noGrp="1"/>
-          </p:cNvSpPr>
-          <p:nvPr>
-            <p:ph type="title"/>
-          </p:nvPr>
-        </p:nvSpPr>
-        <p:spPr/>
-        <p:txBody>
-          <a:bodyPr/>
-          <a:lstStyle/>
-          <a:p>
-            <a:r>
-              <a:rPr lang="en-US" altLang="ja-JP" dirty="0"/>
-              <a:t>set</a:t>
-            </a:r>
-            <a:r>
-              <a:rPr kumimoji="1" lang="ja-JP" altLang="en-US" dirty="0"/>
-              <a:t>クラス</a:t>
-            </a:r>
-          </a:p>
-        </p:txBody>
-      </p:sp>
-      <p:sp>
-        <p:nvSpPr>
-          <p:cNvPr id="3" name="コンテンツ プレースホルダー 2">
-            <a:extLst>
-              <a:ext uri="{FF2B5EF4-FFF2-40B4-BE49-F238E27FC236}">
-                <a16:creationId xmlns:a16="http://schemas.microsoft.com/office/drawing/2014/main" id="{64DBE417-57E9-44A6-BB52-B2F9986BB7B2}"/>
-              </a:ext>
-            </a:extLst>
-          </p:cNvPr>
-          <p:cNvSpPr>
-            <a:spLocks noGrp="1"/>
-          </p:cNvSpPr>
-          <p:nvPr>
-            <p:ph idx="1"/>
-          </p:nvPr>
-        </p:nvSpPr>
-        <p:spPr>
-          <a:xfrm>
-            <a:off x="838200" y="1162976"/>
-            <a:ext cx="10515600" cy="5193373"/>
-          </a:xfrm>
-        </p:spPr>
-        <p:txBody>
-          <a:bodyPr>
-            <a:normAutofit/>
-          </a:bodyPr>
-          <a:lstStyle/>
-          <a:p>
-            <a:pPr marL="0" indent="0">
-              <a:buNone/>
-            </a:pPr>
-            <a:r>
-              <a:rPr kumimoji="1" lang="en-US" altLang="ja-JP" dirty="0"/>
-              <a:t>                main.cpp</a:t>
-            </a:r>
-            <a:r>
-              <a:rPr kumimoji="1" lang="ja-JP" altLang="en-US" dirty="0"/>
-              <a:t>　</a:t>
-            </a:r>
-            <a:r>
-              <a:rPr kumimoji="1" lang="en-US" altLang="ja-JP" dirty="0"/>
-              <a:t>(Sample609)</a:t>
-            </a:r>
-            <a:br>
-              <a:rPr lang="en-US" altLang="ja-JP" dirty="0"/>
-            </a:br>
-            <a:endParaRPr lang="en-US" altLang="ja-JP" dirty="0"/>
-          </a:p>
-          <a:p>
-            <a:pPr marL="0" indent="0">
-              <a:buNone/>
-            </a:pPr>
-            <a:br>
-              <a:rPr lang="en-US" altLang="ja-JP" dirty="0"/>
-            </a:br>
-            <a:br>
-              <a:rPr lang="en-US" altLang="ja-JP" dirty="0"/>
-            </a:br>
-            <a:br>
-              <a:rPr lang="en-US" altLang="ja-JP" dirty="0"/>
-            </a:br>
-            <a:br>
-              <a:rPr lang="en-US" altLang="ja-JP" sz="2400" dirty="0"/>
-            </a:br>
-            <a:br>
-              <a:rPr lang="en-US" altLang="ja-JP" sz="2400" dirty="0"/>
-            </a:br>
-            <a:endParaRPr lang="en-US" altLang="ja-JP" sz="2400" dirty="0"/>
-          </a:p>
-          <a:p>
-            <a:pPr marL="0" indent="0">
-              <a:buNone/>
-            </a:pPr>
-            <a:br>
-              <a:rPr lang="en-US" altLang="ja-JP" sz="2400" dirty="0"/>
-            </a:br>
-            <a:endParaRPr lang="en-US" altLang="ja-JP" dirty="0">
-              <a:solidFill>
-                <a:srgbClr val="FF0000"/>
-              </a:solidFill>
-            </a:endParaRPr>
-          </a:p>
-        </p:txBody>
-      </p:sp>
-      <p:sp>
-        <p:nvSpPr>
-          <p:cNvPr id="5" name="テキスト ボックス 4">
-            <a:extLst>
-              <a:ext uri="{FF2B5EF4-FFF2-40B4-BE49-F238E27FC236}">
-                <a16:creationId xmlns:a16="http://schemas.microsoft.com/office/drawing/2014/main" id="{9E32883C-0E37-4F07-9861-27609819CE8C}"/>
-              </a:ext>
-            </a:extLst>
-          </p:cNvPr>
-          <p:cNvSpPr txBox="1"/>
-          <p:nvPr/>
-        </p:nvSpPr>
-        <p:spPr>
-          <a:xfrm>
-            <a:off x="838200" y="1075424"/>
-            <a:ext cx="10688220" cy="5755422"/>
-          </a:xfrm>
-          <a:prstGeom prst="rect">
-            <a:avLst/>
-          </a:prstGeom>
-          <a:noFill/>
-          <a:ln>
-            <a:solidFill>
-              <a:schemeClr val="tx1"/>
-            </a:solidFill>
-          </a:ln>
-        </p:spPr>
-        <p:txBody>
-          <a:bodyPr wrap="square" rtlCol="0">
-            <a:spAutoFit/>
-          </a:bodyPr>
-          <a:lstStyle/>
-          <a:p>
-            <a:r>
-              <a:rPr lang="en-US" altLang="ja-JP" sz="1600" dirty="0">
-                <a:solidFill>
-                  <a:srgbClr val="808080"/>
-                </a:solidFill>
-                <a:ea typeface="ＭＳ ゴシック" panose="020B0609070205080204" pitchFamily="49" charset="-128"/>
-              </a:rPr>
-              <a:t>#include</a:t>
-            </a:r>
-            <a:r>
-              <a:rPr lang="en-US" altLang="ja-JP" sz="1600" dirty="0">
-                <a:solidFill>
-                  <a:srgbClr val="000000"/>
-                </a:solidFill>
-                <a:ea typeface="ＭＳ ゴシック" panose="020B0609070205080204" pitchFamily="49" charset="-128"/>
-              </a:rPr>
-              <a:t> </a:t>
-            </a:r>
-            <a:r>
-              <a:rPr lang="en-US" altLang="ja-JP" sz="1600" dirty="0">
-                <a:solidFill>
-                  <a:srgbClr val="A31515"/>
-                </a:solidFill>
-                <a:ea typeface="ＭＳ ゴシック" panose="020B0609070205080204" pitchFamily="49" charset="-128"/>
-              </a:rPr>
-              <a:t>&lt;iostream&gt;</a:t>
-            </a:r>
-            <a:endParaRPr lang="en-US" altLang="ja-JP" sz="1600" dirty="0">
-              <a:solidFill>
-                <a:srgbClr val="000000"/>
-              </a:solidFill>
-              <a:ea typeface="ＭＳ ゴシック" panose="020B0609070205080204" pitchFamily="49" charset="-128"/>
-            </a:endParaRPr>
-          </a:p>
-          <a:p>
-            <a:r>
-              <a:rPr lang="en-US" altLang="ja-JP" sz="1600" dirty="0">
-                <a:solidFill>
-                  <a:srgbClr val="808080"/>
-                </a:solidFill>
-                <a:ea typeface="ＭＳ ゴシック" panose="020B0609070205080204" pitchFamily="49" charset="-128"/>
-              </a:rPr>
-              <a:t>#include</a:t>
-            </a:r>
-            <a:r>
-              <a:rPr lang="en-US" altLang="ja-JP" sz="1600" dirty="0">
-                <a:solidFill>
-                  <a:srgbClr val="000000"/>
-                </a:solidFill>
-                <a:ea typeface="ＭＳ ゴシック" panose="020B0609070205080204" pitchFamily="49" charset="-128"/>
-              </a:rPr>
-              <a:t> </a:t>
-            </a:r>
-            <a:r>
-              <a:rPr lang="en-US" altLang="ja-JP" sz="1600" dirty="0">
-                <a:solidFill>
-                  <a:srgbClr val="A31515"/>
-                </a:solidFill>
-                <a:ea typeface="ＭＳ ゴシック" panose="020B0609070205080204" pitchFamily="49" charset="-128"/>
-              </a:rPr>
-              <a:t>&lt;set&gt;</a:t>
-            </a:r>
-            <a:endParaRPr lang="en-US" altLang="ja-JP" sz="1600" dirty="0">
-              <a:solidFill>
-                <a:srgbClr val="000000"/>
-              </a:solidFill>
-              <a:ea typeface="ＭＳ ゴシック" panose="020B0609070205080204" pitchFamily="49" charset="-128"/>
-            </a:endParaRPr>
-          </a:p>
-          <a:p>
-            <a:r>
-              <a:rPr lang="en-US" altLang="ja-JP" sz="1600" dirty="0">
-                <a:solidFill>
-                  <a:srgbClr val="808080"/>
-                </a:solidFill>
-                <a:ea typeface="ＭＳ ゴシック" panose="020B0609070205080204" pitchFamily="49" charset="-128"/>
-              </a:rPr>
-              <a:t>#include</a:t>
-            </a:r>
-            <a:r>
-              <a:rPr lang="en-US" altLang="ja-JP" sz="1600" dirty="0">
-                <a:solidFill>
-                  <a:srgbClr val="000000"/>
-                </a:solidFill>
-                <a:ea typeface="ＭＳ ゴシック" panose="020B0609070205080204" pitchFamily="49" charset="-128"/>
-              </a:rPr>
-              <a:t> </a:t>
-            </a:r>
-            <a:r>
-              <a:rPr lang="en-US" altLang="ja-JP" sz="1600" dirty="0">
-                <a:solidFill>
-                  <a:srgbClr val="A31515"/>
-                </a:solidFill>
-                <a:ea typeface="ＭＳ ゴシック" panose="020B0609070205080204" pitchFamily="49" charset="-128"/>
-              </a:rPr>
-              <a:t>&lt;string&gt;</a:t>
-            </a:r>
-            <a:endParaRPr lang="en-US" altLang="ja-JP" sz="1600" dirty="0">
-              <a:solidFill>
-                <a:srgbClr val="000000"/>
-              </a:solidFill>
-              <a:ea typeface="ＭＳ ゴシック" panose="020B0609070205080204" pitchFamily="49" charset="-128"/>
-            </a:endParaRPr>
-          </a:p>
-          <a:p>
-            <a:r>
-              <a:rPr lang="en-US" altLang="ja-JP" sz="1600" dirty="0">
-                <a:solidFill>
-                  <a:srgbClr val="0000FF"/>
-                </a:solidFill>
-                <a:ea typeface="ＭＳ ゴシック" panose="020B0609070205080204" pitchFamily="49" charset="-128"/>
-              </a:rPr>
-              <a:t>using</a:t>
-            </a:r>
-            <a:r>
-              <a:rPr lang="en-US" altLang="ja-JP" sz="1600" dirty="0">
-                <a:solidFill>
-                  <a:srgbClr val="000000"/>
-                </a:solidFill>
-                <a:ea typeface="ＭＳ ゴシック" panose="020B0609070205080204" pitchFamily="49" charset="-128"/>
-              </a:rPr>
-              <a:t> </a:t>
-            </a:r>
-            <a:r>
-              <a:rPr lang="en-US" altLang="ja-JP" sz="1600" dirty="0">
-                <a:solidFill>
-                  <a:srgbClr val="0000FF"/>
-                </a:solidFill>
-                <a:ea typeface="ＭＳ ゴシック" panose="020B0609070205080204" pitchFamily="49" charset="-128"/>
-              </a:rPr>
-              <a:t>namespace</a:t>
-            </a:r>
-            <a:r>
-              <a:rPr lang="en-US" altLang="ja-JP" sz="1600" dirty="0">
-                <a:solidFill>
-                  <a:srgbClr val="000000"/>
-                </a:solidFill>
-                <a:ea typeface="ＭＳ ゴシック" panose="020B0609070205080204" pitchFamily="49" charset="-128"/>
-              </a:rPr>
-              <a:t> std;</a:t>
-            </a:r>
-          </a:p>
-          <a:p>
-            <a:r>
-              <a:rPr lang="en-US" altLang="ja-JP" sz="1600" dirty="0">
-                <a:solidFill>
-                  <a:srgbClr val="0000FF"/>
-                </a:solidFill>
-                <a:ea typeface="ＭＳ ゴシック" panose="020B0609070205080204" pitchFamily="49" charset="-128"/>
-              </a:rPr>
-              <a:t>int</a:t>
-            </a:r>
-            <a:r>
-              <a:rPr lang="en-US" altLang="ja-JP" sz="1600" dirty="0">
-                <a:solidFill>
-                  <a:srgbClr val="000000"/>
-                </a:solidFill>
-                <a:ea typeface="ＭＳ ゴシック" panose="020B0609070205080204" pitchFamily="49" charset="-128"/>
-              </a:rPr>
-              <a:t> main() {</a:t>
-            </a:r>
-          </a:p>
-          <a:p>
-            <a:r>
-              <a:rPr lang="en-US" altLang="ja-JP" sz="1800" dirty="0">
-                <a:solidFill>
-                  <a:srgbClr val="2B91AF"/>
-                </a:solidFill>
-                <a:ea typeface="ＭＳ ゴシック" panose="020B0609070205080204" pitchFamily="49" charset="-128"/>
-              </a:rPr>
-              <a:t>	set</a:t>
-            </a:r>
-            <a:r>
-              <a:rPr lang="en-US" altLang="ja-JP" sz="1800" dirty="0">
-                <a:solidFill>
-                  <a:srgbClr val="000000"/>
-                </a:solidFill>
-                <a:ea typeface="ＭＳ ゴシック" panose="020B0609070205080204" pitchFamily="49" charset="-128"/>
-              </a:rPr>
-              <a:t>&lt;</a:t>
-            </a:r>
-            <a:r>
-              <a:rPr lang="en-US" altLang="ja-JP" sz="1800" dirty="0">
-                <a:solidFill>
-                  <a:srgbClr val="2B91AF"/>
-                </a:solidFill>
-                <a:ea typeface="ＭＳ ゴシック" panose="020B0609070205080204" pitchFamily="49" charset="-128"/>
-              </a:rPr>
-              <a:t>string</a:t>
-            </a:r>
-            <a:r>
-              <a:rPr lang="en-US" altLang="ja-JP" sz="1800" dirty="0">
-                <a:solidFill>
-                  <a:srgbClr val="000000"/>
-                </a:solidFill>
-                <a:ea typeface="ＭＳ ゴシック" panose="020B0609070205080204" pitchFamily="49" charset="-128"/>
-              </a:rPr>
-              <a:t>&gt; names{ </a:t>
-            </a:r>
-            <a:r>
-              <a:rPr lang="en-US" altLang="ja-JP" sz="1800" dirty="0">
-                <a:solidFill>
-                  <a:srgbClr val="A31515"/>
-                </a:solidFill>
-                <a:ea typeface="ＭＳ ゴシック" panose="020B0609070205080204" pitchFamily="49" charset="-128"/>
-              </a:rPr>
-              <a:t>"John"</a:t>
-            </a:r>
-            <a:r>
-              <a:rPr lang="en-US" altLang="ja-JP" sz="1800" dirty="0">
-                <a:solidFill>
-                  <a:srgbClr val="000000"/>
-                </a:solidFill>
-                <a:ea typeface="ＭＳ ゴシック" panose="020B0609070205080204" pitchFamily="49" charset="-128"/>
-              </a:rPr>
-              <a:t>, </a:t>
-            </a:r>
-            <a:r>
-              <a:rPr lang="en-US" altLang="ja-JP" sz="1800" dirty="0">
-                <a:solidFill>
-                  <a:srgbClr val="A31515"/>
-                </a:solidFill>
-                <a:ea typeface="ＭＳ ゴシック" panose="020B0609070205080204" pitchFamily="49" charset="-128"/>
-              </a:rPr>
-              <a:t>"Sam"</a:t>
-            </a:r>
-            <a:r>
-              <a:rPr lang="en-US" altLang="ja-JP" sz="1800" dirty="0">
-                <a:solidFill>
-                  <a:srgbClr val="000000"/>
-                </a:solidFill>
-                <a:ea typeface="ＭＳ ゴシック" panose="020B0609070205080204" pitchFamily="49" charset="-128"/>
-              </a:rPr>
-              <a:t>}; </a:t>
-            </a:r>
-            <a:r>
-              <a:rPr lang="en-US" altLang="ja-JP" sz="1800" dirty="0">
-                <a:solidFill>
-                  <a:srgbClr val="008000"/>
-                </a:solidFill>
-                <a:ea typeface="ＭＳ ゴシック" panose="020B0609070205080204" pitchFamily="49" charset="-128"/>
-              </a:rPr>
-              <a:t>//</a:t>
-            </a:r>
-            <a:r>
-              <a:rPr lang="ja-JP" altLang="en-US" sz="1800" dirty="0">
-                <a:solidFill>
-                  <a:srgbClr val="008000"/>
-                </a:solidFill>
-                <a:ea typeface="ＭＳ ゴシック" panose="020B0609070205080204" pitchFamily="49" charset="-128"/>
-              </a:rPr>
-              <a:t>初期値の設定</a:t>
-            </a:r>
-            <a:endParaRPr lang="ja-JP" altLang="en-US" sz="1800" dirty="0">
-              <a:solidFill>
-                <a:srgbClr val="000000"/>
-              </a:solidFill>
-              <a:ea typeface="ＭＳ ゴシック" panose="020B0609070205080204" pitchFamily="49" charset="-128"/>
-            </a:endParaRPr>
-          </a:p>
-          <a:p>
-            <a:r>
-              <a:rPr lang="en-US" altLang="ja-JP" sz="1800" dirty="0">
-                <a:solidFill>
-                  <a:srgbClr val="000000"/>
-                </a:solidFill>
-                <a:ea typeface="ＭＳ ゴシック" panose="020B0609070205080204" pitchFamily="49" charset="-128"/>
-              </a:rPr>
-              <a:t>	</a:t>
-            </a:r>
-            <a:r>
-              <a:rPr lang="en-US" altLang="ja-JP" sz="1800" dirty="0" err="1">
-                <a:solidFill>
-                  <a:srgbClr val="000000"/>
-                </a:solidFill>
-                <a:ea typeface="ＭＳ ゴシック" panose="020B0609070205080204" pitchFamily="49" charset="-128"/>
-              </a:rPr>
-              <a:t>names.insert</a:t>
-            </a:r>
-            <a:r>
-              <a:rPr lang="en-US" altLang="ja-JP" sz="1800" dirty="0">
-                <a:solidFill>
-                  <a:srgbClr val="000000"/>
-                </a:solidFill>
-                <a:ea typeface="ＭＳ ゴシック" panose="020B0609070205080204" pitchFamily="49" charset="-128"/>
-              </a:rPr>
-              <a:t>(</a:t>
-            </a:r>
-            <a:r>
-              <a:rPr lang="en-US" altLang="ja-JP" sz="1800" dirty="0">
-                <a:solidFill>
-                  <a:srgbClr val="A31515"/>
-                </a:solidFill>
-                <a:ea typeface="ＭＳ ゴシック" panose="020B0609070205080204" pitchFamily="49" charset="-128"/>
-              </a:rPr>
-              <a:t>"Tom"</a:t>
-            </a:r>
-            <a:r>
-              <a:rPr lang="en-US" altLang="ja-JP" sz="1800" dirty="0">
-                <a:solidFill>
-                  <a:srgbClr val="000000"/>
-                </a:solidFill>
-                <a:ea typeface="ＭＳ ゴシック" panose="020B0609070205080204" pitchFamily="49" charset="-128"/>
-              </a:rPr>
-              <a:t>);</a:t>
-            </a:r>
-          </a:p>
-          <a:p>
-            <a:r>
-              <a:rPr lang="en-US" altLang="ja-JP" sz="1800" dirty="0">
-                <a:solidFill>
-                  <a:srgbClr val="000000"/>
-                </a:solidFill>
-                <a:ea typeface="ＭＳ ゴシック" panose="020B0609070205080204" pitchFamily="49" charset="-128"/>
-              </a:rPr>
-              <a:t>	</a:t>
-            </a:r>
-            <a:r>
-              <a:rPr lang="en-US" altLang="ja-JP" sz="1800" dirty="0" err="1">
-                <a:solidFill>
-                  <a:srgbClr val="000000"/>
-                </a:solidFill>
-                <a:ea typeface="ＭＳ ゴシック" panose="020B0609070205080204" pitchFamily="49" charset="-128"/>
-              </a:rPr>
-              <a:t>names.insert</a:t>
-            </a:r>
-            <a:r>
-              <a:rPr lang="en-US" altLang="ja-JP" sz="1800" dirty="0">
-                <a:solidFill>
-                  <a:srgbClr val="000000"/>
-                </a:solidFill>
-                <a:ea typeface="ＭＳ ゴシック" panose="020B0609070205080204" pitchFamily="49" charset="-128"/>
-              </a:rPr>
-              <a:t>(</a:t>
-            </a:r>
-            <a:r>
-              <a:rPr lang="en-US" altLang="ja-JP" sz="1800" dirty="0">
-                <a:solidFill>
-                  <a:srgbClr val="A31515"/>
-                </a:solidFill>
-                <a:ea typeface="ＭＳ ゴシック" panose="020B0609070205080204" pitchFamily="49" charset="-128"/>
-              </a:rPr>
-              <a:t>"Mike"</a:t>
-            </a:r>
-            <a:r>
-              <a:rPr lang="en-US" altLang="ja-JP" sz="1800" dirty="0">
-                <a:solidFill>
-                  <a:srgbClr val="000000"/>
-                </a:solidFill>
-                <a:ea typeface="ＭＳ ゴシック" panose="020B0609070205080204" pitchFamily="49" charset="-128"/>
-              </a:rPr>
-              <a:t>);</a:t>
-            </a:r>
-          </a:p>
-          <a:p>
-            <a:r>
-              <a:rPr lang="en-US" altLang="ja-JP" sz="1800" dirty="0">
-                <a:solidFill>
-                  <a:srgbClr val="000000"/>
-                </a:solidFill>
-                <a:ea typeface="ＭＳ ゴシック" panose="020B0609070205080204" pitchFamily="49" charset="-128"/>
-              </a:rPr>
-              <a:t>	</a:t>
-            </a:r>
-            <a:r>
-              <a:rPr lang="en-US" altLang="ja-JP" sz="1800" dirty="0" err="1">
-                <a:solidFill>
-                  <a:srgbClr val="000000"/>
-                </a:solidFill>
-                <a:ea typeface="ＭＳ ゴシック" panose="020B0609070205080204" pitchFamily="49" charset="-128"/>
-              </a:rPr>
-              <a:t>names.insert</a:t>
-            </a:r>
-            <a:r>
-              <a:rPr lang="en-US" altLang="ja-JP" sz="1800" dirty="0">
-                <a:solidFill>
-                  <a:srgbClr val="000000"/>
-                </a:solidFill>
-                <a:ea typeface="ＭＳ ゴシック" panose="020B0609070205080204" pitchFamily="49" charset="-128"/>
-              </a:rPr>
-              <a:t>(</a:t>
-            </a:r>
-            <a:r>
-              <a:rPr lang="en-US" altLang="ja-JP" sz="1800" dirty="0">
-                <a:solidFill>
-                  <a:srgbClr val="A31515"/>
-                </a:solidFill>
-                <a:ea typeface="ＭＳ ゴシック" panose="020B0609070205080204" pitchFamily="49" charset="-128"/>
-              </a:rPr>
-              <a:t>"Mike"</a:t>
-            </a:r>
-            <a:r>
-              <a:rPr lang="en-US" altLang="ja-JP" sz="1800" dirty="0">
-                <a:solidFill>
-                  <a:srgbClr val="000000"/>
-                </a:solidFill>
-                <a:ea typeface="ＭＳ ゴシック" panose="020B0609070205080204" pitchFamily="49" charset="-128"/>
-              </a:rPr>
-              <a:t>); </a:t>
-            </a:r>
-            <a:r>
-              <a:rPr lang="en-US" altLang="ja-JP" sz="1800" dirty="0">
-                <a:solidFill>
-                  <a:srgbClr val="008000"/>
-                </a:solidFill>
-                <a:ea typeface="ＭＳ ゴシック" panose="020B0609070205080204" pitchFamily="49" charset="-128"/>
-              </a:rPr>
-              <a:t>//</a:t>
-            </a:r>
-            <a:r>
-              <a:rPr lang="ja-JP" altLang="en-US" sz="1800" dirty="0">
-                <a:solidFill>
-                  <a:srgbClr val="008000"/>
-                </a:solidFill>
-                <a:ea typeface="ＭＳ ゴシック" panose="020B0609070205080204" pitchFamily="49" charset="-128"/>
-              </a:rPr>
-              <a:t>重複キーの登録</a:t>
-            </a:r>
-            <a:endParaRPr lang="ja-JP" altLang="en-US" sz="1800" dirty="0">
-              <a:solidFill>
-                <a:srgbClr val="000000"/>
-              </a:solidFill>
-              <a:ea typeface="ＭＳ ゴシック" panose="020B0609070205080204" pitchFamily="49" charset="-128"/>
-            </a:endParaRPr>
-          </a:p>
-          <a:p>
-            <a:r>
-              <a:rPr lang="en-US" altLang="ja-JP" sz="1800" dirty="0">
-                <a:solidFill>
-                  <a:srgbClr val="000000"/>
-                </a:solidFill>
-                <a:ea typeface="ＭＳ ゴシック" panose="020B0609070205080204" pitchFamily="49" charset="-128"/>
-              </a:rPr>
-              <a:t>	</a:t>
-            </a:r>
-            <a:r>
-              <a:rPr lang="en-US" altLang="ja-JP" sz="1800" dirty="0" err="1">
-                <a:solidFill>
-                  <a:srgbClr val="000000"/>
-                </a:solidFill>
-                <a:ea typeface="ＭＳ ゴシック" panose="020B0609070205080204" pitchFamily="49" charset="-128"/>
-              </a:rPr>
-              <a:t>names.insert</a:t>
-            </a:r>
-            <a:r>
-              <a:rPr lang="en-US" altLang="ja-JP" sz="1800" dirty="0">
-                <a:solidFill>
-                  <a:srgbClr val="000000"/>
-                </a:solidFill>
-                <a:ea typeface="ＭＳ ゴシック" panose="020B0609070205080204" pitchFamily="49" charset="-128"/>
-              </a:rPr>
-              <a:t>(</a:t>
-            </a:r>
-            <a:r>
-              <a:rPr lang="en-US" altLang="ja-JP" sz="1800" dirty="0">
-                <a:solidFill>
-                  <a:srgbClr val="A31515"/>
-                </a:solidFill>
-                <a:ea typeface="ＭＳ ゴシック" panose="020B0609070205080204" pitchFamily="49" charset="-128"/>
-              </a:rPr>
-              <a:t>"Bob"</a:t>
-            </a:r>
-            <a:r>
-              <a:rPr lang="en-US" altLang="ja-JP" sz="1800" dirty="0">
-                <a:solidFill>
-                  <a:srgbClr val="000000"/>
-                </a:solidFill>
-                <a:ea typeface="ＭＳ ゴシック" panose="020B0609070205080204" pitchFamily="49" charset="-128"/>
-              </a:rPr>
-              <a:t>);</a:t>
-            </a:r>
-          </a:p>
-          <a:p>
-            <a:r>
-              <a:rPr lang="en-US" altLang="ja-JP" sz="1800" dirty="0">
-                <a:solidFill>
-                  <a:srgbClr val="000000"/>
-                </a:solidFill>
-                <a:ea typeface="ＭＳ ゴシック" panose="020B0609070205080204" pitchFamily="49" charset="-128"/>
-              </a:rPr>
-              <a:t>	</a:t>
-            </a:r>
-            <a:r>
-              <a:rPr lang="en-US" altLang="ja-JP" sz="1800" dirty="0" err="1">
-                <a:solidFill>
-                  <a:srgbClr val="000000"/>
-                </a:solidFill>
-                <a:ea typeface="ＭＳ ゴシック" panose="020B0609070205080204" pitchFamily="49" charset="-128"/>
-              </a:rPr>
-              <a:t>names.erase</a:t>
-            </a:r>
-            <a:r>
-              <a:rPr lang="en-US" altLang="ja-JP" sz="1800" dirty="0">
-                <a:solidFill>
-                  <a:srgbClr val="000000"/>
-                </a:solidFill>
-                <a:ea typeface="ＭＳ ゴシック" panose="020B0609070205080204" pitchFamily="49" charset="-128"/>
-              </a:rPr>
-              <a:t>(</a:t>
-            </a:r>
-            <a:r>
-              <a:rPr lang="en-US" altLang="ja-JP" sz="1800" dirty="0">
-                <a:solidFill>
-                  <a:srgbClr val="A31515"/>
-                </a:solidFill>
-                <a:ea typeface="ＭＳ ゴシック" panose="020B0609070205080204" pitchFamily="49" charset="-128"/>
-              </a:rPr>
-              <a:t>"Sam"</a:t>
-            </a:r>
-            <a:r>
-              <a:rPr lang="en-US" altLang="ja-JP" sz="1800" dirty="0">
-                <a:solidFill>
-                  <a:srgbClr val="000000"/>
-                </a:solidFill>
-                <a:ea typeface="ＭＳ ゴシック" panose="020B0609070205080204" pitchFamily="49" charset="-128"/>
-              </a:rPr>
-              <a:t>);  </a:t>
-            </a:r>
-            <a:r>
-              <a:rPr lang="en-US" altLang="ja-JP" sz="1800" dirty="0">
-                <a:solidFill>
-                  <a:srgbClr val="008000"/>
-                </a:solidFill>
-                <a:ea typeface="ＭＳ ゴシック" panose="020B0609070205080204" pitchFamily="49" charset="-128"/>
-              </a:rPr>
-              <a:t>//</a:t>
-            </a:r>
-            <a:r>
-              <a:rPr lang="ja-JP" altLang="en-US" sz="1800" dirty="0">
-                <a:solidFill>
-                  <a:srgbClr val="008000"/>
-                </a:solidFill>
-                <a:ea typeface="ＭＳ ゴシック" panose="020B0609070205080204" pitchFamily="49" charset="-128"/>
-              </a:rPr>
-              <a:t>キーの削除</a:t>
-            </a:r>
-            <a:endParaRPr lang="en-US" altLang="ja-JP" sz="1800" dirty="0">
-              <a:solidFill>
-                <a:srgbClr val="000000"/>
-              </a:solidFill>
-              <a:ea typeface="ＭＳ ゴシック" panose="020B0609070205080204" pitchFamily="49" charset="-128"/>
-            </a:endParaRPr>
-          </a:p>
-          <a:p>
-            <a:r>
-              <a:rPr lang="en-US" altLang="ja-JP" sz="1800" dirty="0">
-                <a:solidFill>
-                  <a:srgbClr val="0000FF"/>
-                </a:solidFill>
-                <a:ea typeface="ＭＳ ゴシック" panose="020B0609070205080204" pitchFamily="49" charset="-128"/>
-              </a:rPr>
-              <a:t>	for</a:t>
-            </a:r>
-            <a:r>
-              <a:rPr lang="en-US" altLang="ja-JP" sz="1800" dirty="0">
-                <a:solidFill>
-                  <a:srgbClr val="000000"/>
-                </a:solidFill>
-                <a:ea typeface="ＭＳ ゴシック" panose="020B0609070205080204" pitchFamily="49" charset="-128"/>
-              </a:rPr>
-              <a:t> (</a:t>
-            </a:r>
-            <a:r>
-              <a:rPr lang="en-US" altLang="ja-JP" sz="1800" dirty="0">
-                <a:solidFill>
-                  <a:srgbClr val="0000FF"/>
-                </a:solidFill>
-                <a:ea typeface="ＭＳ ゴシック" panose="020B0609070205080204" pitchFamily="49" charset="-128"/>
-              </a:rPr>
-              <a:t>auto</a:t>
-            </a:r>
-            <a:r>
-              <a:rPr lang="en-US" altLang="ja-JP" sz="1800" dirty="0">
-                <a:solidFill>
-                  <a:srgbClr val="000000"/>
-                </a:solidFill>
-                <a:ea typeface="ＭＳ ゴシック" panose="020B0609070205080204" pitchFamily="49" charset="-128"/>
-              </a:rPr>
-              <a:t> it: names) {		</a:t>
-            </a:r>
-            <a:r>
-              <a:rPr lang="en-US" altLang="ja-JP" sz="1800" dirty="0">
-                <a:solidFill>
-                  <a:srgbClr val="008000"/>
-                </a:solidFill>
-                <a:ea typeface="ＭＳ ゴシック" panose="020B0609070205080204" pitchFamily="49" charset="-128"/>
-              </a:rPr>
-              <a:t> //</a:t>
-            </a:r>
-            <a:r>
-              <a:rPr lang="ja-JP" altLang="en-US" sz="1800" dirty="0">
-                <a:solidFill>
-                  <a:srgbClr val="008000"/>
-                </a:solidFill>
-                <a:ea typeface="ＭＳ ゴシック" panose="020B0609070205080204" pitchFamily="49" charset="-128"/>
-              </a:rPr>
-              <a:t>範囲</a:t>
-            </a:r>
-            <a:r>
-              <a:rPr lang="en-US" altLang="ja-JP" sz="1800" dirty="0">
-                <a:solidFill>
-                  <a:srgbClr val="008000"/>
-                </a:solidFill>
-                <a:ea typeface="ＭＳ ゴシック" panose="020B0609070205080204" pitchFamily="49" charset="-128"/>
-              </a:rPr>
-              <a:t>for</a:t>
-            </a:r>
-            <a:r>
-              <a:rPr lang="ja-JP" altLang="en-US" sz="1800" dirty="0">
-                <a:solidFill>
-                  <a:srgbClr val="008000"/>
-                </a:solidFill>
-                <a:ea typeface="ＭＳ ゴシック" panose="020B0609070205080204" pitchFamily="49" charset="-128"/>
-              </a:rPr>
-              <a:t>文</a:t>
-            </a:r>
-            <a:endParaRPr lang="en-US" altLang="ja-JP" sz="1800" dirty="0">
-              <a:solidFill>
-                <a:srgbClr val="000000"/>
-              </a:solidFill>
-              <a:ea typeface="ＭＳ ゴシック" panose="020B0609070205080204" pitchFamily="49" charset="-128"/>
-            </a:endParaRPr>
-          </a:p>
-          <a:p>
-            <a:r>
-              <a:rPr lang="en-US" altLang="ja-JP" sz="1800" dirty="0">
-                <a:solidFill>
-                  <a:srgbClr val="000000"/>
-                </a:solidFill>
-                <a:ea typeface="ＭＳ ゴシック" panose="020B0609070205080204" pitchFamily="49" charset="-128"/>
-              </a:rPr>
-              <a:t>		</a:t>
-            </a:r>
-            <a:r>
-              <a:rPr lang="en-US" altLang="ja-JP" sz="1800" dirty="0" err="1">
-                <a:solidFill>
-                  <a:srgbClr val="000000"/>
-                </a:solidFill>
-                <a:ea typeface="ＭＳ ゴシック" panose="020B0609070205080204" pitchFamily="49" charset="-128"/>
-              </a:rPr>
-              <a:t>cout</a:t>
-            </a:r>
-            <a:r>
-              <a:rPr lang="en-US" altLang="ja-JP" sz="1800" dirty="0">
-                <a:solidFill>
-                  <a:srgbClr val="000000"/>
-                </a:solidFill>
-                <a:ea typeface="ＭＳ ゴシック" panose="020B0609070205080204" pitchFamily="49" charset="-128"/>
-              </a:rPr>
-              <a:t> </a:t>
-            </a:r>
-            <a:r>
-              <a:rPr lang="en-US" altLang="ja-JP" sz="1800" dirty="0">
-                <a:solidFill>
-                  <a:srgbClr val="008080"/>
-                </a:solidFill>
-                <a:ea typeface="ＭＳ ゴシック" panose="020B0609070205080204" pitchFamily="49" charset="-128"/>
-              </a:rPr>
-              <a:t>&lt;&lt;</a:t>
-            </a:r>
-            <a:r>
-              <a:rPr lang="en-US" altLang="ja-JP" sz="1800" dirty="0">
-                <a:solidFill>
-                  <a:srgbClr val="000000"/>
-                </a:solidFill>
-                <a:ea typeface="ＭＳ ゴシック" panose="020B0609070205080204" pitchFamily="49" charset="-128"/>
-              </a:rPr>
-              <a:t> it </a:t>
-            </a:r>
-            <a:r>
-              <a:rPr lang="en-US" altLang="ja-JP" sz="1800" dirty="0">
-                <a:solidFill>
-                  <a:srgbClr val="008080"/>
-                </a:solidFill>
-                <a:ea typeface="ＭＳ ゴシック" panose="020B0609070205080204" pitchFamily="49" charset="-128"/>
-              </a:rPr>
-              <a:t>&lt;&lt;</a:t>
-            </a:r>
-            <a:r>
-              <a:rPr lang="en-US" altLang="ja-JP" sz="1800" dirty="0">
-                <a:solidFill>
-                  <a:srgbClr val="000000"/>
-                </a:solidFill>
-                <a:ea typeface="ＭＳ ゴシック" panose="020B0609070205080204" pitchFamily="49" charset="-128"/>
-              </a:rPr>
-              <a:t> </a:t>
-            </a:r>
-            <a:r>
-              <a:rPr lang="en-US" altLang="ja-JP" sz="1800" dirty="0" err="1">
-                <a:solidFill>
-                  <a:srgbClr val="000000"/>
-                </a:solidFill>
-                <a:ea typeface="ＭＳ ゴシック" panose="020B0609070205080204" pitchFamily="49" charset="-128"/>
-              </a:rPr>
-              <a:t>endl</a:t>
-            </a:r>
-            <a:r>
-              <a:rPr lang="en-US" altLang="ja-JP" sz="1800" dirty="0">
-                <a:solidFill>
-                  <a:srgbClr val="000000"/>
-                </a:solidFill>
-                <a:ea typeface="ＭＳ ゴシック" panose="020B0609070205080204" pitchFamily="49" charset="-128"/>
-              </a:rPr>
-              <a:t>;	}</a:t>
-            </a:r>
-          </a:p>
-          <a:p>
-            <a:r>
-              <a:rPr lang="en-US" altLang="ja-JP" sz="1800" dirty="0">
-                <a:solidFill>
                   <a:srgbClr val="0000FF"/>
                 </a:solidFill>
                 <a:ea typeface="ＭＳ ゴシック" panose="020B0609070205080204" pitchFamily="49" charset="-128"/>
@@ -14161,6 +12317,220 @@
     <p:extLst>
       <p:ext uri="{BB962C8B-B14F-4D97-AF65-F5344CB8AC3E}">
         <p14:creationId xmlns:p14="http://schemas.microsoft.com/office/powerpoint/2010/main" val="1244694399"/>
+      </p:ext>
+    </p:extLst>
+  </p:cSld>
+  <p:clrMapOvr>
+    <a:masterClrMapping/>
+  </p:clrMapOvr>
+</p:sld>
+</file>
+
+<file path=ppt/slides/slide9.xml><?xml version="1.0" encoding="utf-8"?>
+<p:sld xmlns:a="http://schemas.openxmlformats.org/drawingml/2006/main" xmlns:r="http://schemas.openxmlformats.org/officeDocument/2006/relationships" xmlns:p="http://schemas.openxmlformats.org/presentationml/2006/main">
+  <p:cSld>
+    <p:spTree>
+      <p:nvGrpSpPr>
+        <p:cNvPr id="1" name=""/>
+        <p:cNvGrpSpPr/>
+        <p:nvPr/>
+      </p:nvGrpSpPr>
+      <p:grpSpPr>
+        <a:xfrm>
+          <a:off x="0" y="0"/>
+          <a:ext cx="0" cy="0"/>
+          <a:chOff x="0" y="0"/>
+          <a:chExt cx="0" cy="0"/>
+        </a:xfrm>
+      </p:grpSpPr>
+      <p:sp>
+        <p:nvSpPr>
+          <p:cNvPr id="2" name="タイトル 1">
+            <a:extLst>
+              <a:ext uri="{FF2B5EF4-FFF2-40B4-BE49-F238E27FC236}">
+                <a16:creationId xmlns:a16="http://schemas.microsoft.com/office/drawing/2014/main" id="{9F789731-37C4-49DD-AEE8-78E5514E279E}"/>
+              </a:ext>
+            </a:extLst>
+          </p:cNvPr>
+          <p:cNvSpPr>
+            <a:spLocks noGrp="1"/>
+          </p:cNvSpPr>
+          <p:nvPr>
+            <p:ph type="title"/>
+          </p:nvPr>
+        </p:nvSpPr>
+        <p:spPr/>
+        <p:txBody>
+          <a:bodyPr/>
+          <a:lstStyle/>
+          <a:p>
+            <a:r>
+              <a:rPr lang="en-US" altLang="ja-JP" dirty="0"/>
+              <a:t>set</a:t>
+            </a:r>
+            <a:r>
+              <a:rPr kumimoji="1" lang="ja-JP" altLang="en-US" dirty="0"/>
+              <a:t>クラス</a:t>
+            </a:r>
+          </a:p>
+        </p:txBody>
+      </p:sp>
+      <p:sp>
+        <p:nvSpPr>
+          <p:cNvPr id="3" name="コンテンツ プレースホルダー 2">
+            <a:extLst>
+              <a:ext uri="{FF2B5EF4-FFF2-40B4-BE49-F238E27FC236}">
+                <a16:creationId xmlns:a16="http://schemas.microsoft.com/office/drawing/2014/main" id="{39562F0E-6033-40BD-BCB8-F015661306FD}"/>
+              </a:ext>
+            </a:extLst>
+          </p:cNvPr>
+          <p:cNvSpPr>
+            <a:spLocks noGrp="1"/>
+          </p:cNvSpPr>
+          <p:nvPr>
+            <p:ph idx="1"/>
+          </p:nvPr>
+        </p:nvSpPr>
+        <p:spPr/>
+        <p:txBody>
+          <a:bodyPr>
+            <a:normAutofit/>
+          </a:bodyPr>
+          <a:lstStyle/>
+          <a:p>
+            <a:r>
+              <a:rPr lang="en-US" altLang="ja-JP" dirty="0"/>
+              <a:t>set</a:t>
+            </a:r>
+            <a:r>
+              <a:rPr lang="ja-JP" altLang="en-US" dirty="0"/>
+              <a:t>まとめ</a:t>
+            </a:r>
+            <a:br>
+              <a:rPr lang="en-US" altLang="ja-JP" dirty="0"/>
+            </a:br>
+            <a:endParaRPr lang="en-US" altLang="ja-JP" dirty="0"/>
+          </a:p>
+          <a:p>
+            <a:pPr lvl="1"/>
+            <a:r>
+              <a:rPr lang="ja-JP" altLang="en-US" dirty="0">
+                <a:solidFill>
+                  <a:srgbClr val="00B050"/>
+                </a:solidFill>
+              </a:rPr>
+              <a:t>ユニーク（重複のない一意）</a:t>
+            </a:r>
+            <a:r>
+              <a:rPr lang="ja-JP" altLang="en-US" dirty="0"/>
+              <a:t>なデータを管理する</a:t>
+            </a:r>
+            <a:br>
+              <a:rPr lang="en-US" altLang="ja-JP" dirty="0"/>
+            </a:br>
+            <a:r>
+              <a:rPr lang="ja-JP" altLang="en-US" dirty="0"/>
+              <a:t>連想コンテナクラス</a:t>
+            </a:r>
+            <a:endParaRPr lang="en-US" altLang="ja-JP" dirty="0"/>
+          </a:p>
+          <a:p>
+            <a:pPr lvl="1"/>
+            <a:r>
+              <a:rPr lang="ja-JP" altLang="en-US" dirty="0"/>
+              <a:t>要素自体が</a:t>
+            </a:r>
+            <a:r>
+              <a:rPr lang="en-US" altLang="ja-JP" b="1" dirty="0">
+                <a:solidFill>
+                  <a:srgbClr val="FF0000"/>
+                </a:solidFill>
+              </a:rPr>
+              <a:t>【</a:t>
+            </a:r>
+            <a:r>
+              <a:rPr lang="ja-JP" altLang="en-US" b="1" dirty="0">
+                <a:solidFill>
+                  <a:srgbClr val="FF0000"/>
+                </a:solidFill>
+              </a:rPr>
+              <a:t>キー</a:t>
+            </a:r>
+            <a:r>
+              <a:rPr lang="en-US" altLang="ja-JP" b="1" dirty="0">
+                <a:solidFill>
+                  <a:srgbClr val="FF0000"/>
+                </a:solidFill>
+              </a:rPr>
+              <a:t>(key)】</a:t>
+            </a:r>
+            <a:endParaRPr lang="en-US" altLang="ja-JP" dirty="0"/>
+          </a:p>
+          <a:p>
+            <a:pPr lvl="1"/>
+            <a:r>
+              <a:rPr lang="ja-JP" altLang="en-US" dirty="0"/>
+              <a:t>添え字番号でなく、イテレータを使ってアクセス</a:t>
+            </a:r>
+            <a:endParaRPr lang="en-US" altLang="ja-JP" dirty="0"/>
+          </a:p>
+          <a:p>
+            <a:pPr lvl="1"/>
+            <a:r>
+              <a:rPr lang="ja-JP" altLang="en-US" dirty="0"/>
+              <a:t>特定のキーを発見するためには</a:t>
+            </a:r>
+            <a:r>
+              <a:rPr lang="en-US" altLang="ja-JP" dirty="0">
+                <a:solidFill>
+                  <a:srgbClr val="0070C0"/>
+                </a:solidFill>
+              </a:rPr>
+              <a:t>find()</a:t>
+            </a:r>
+            <a:r>
+              <a:rPr lang="ja-JP" altLang="en-US" dirty="0"/>
+              <a:t>を使う</a:t>
+            </a:r>
+            <a:endParaRPr lang="en-US" altLang="ja-JP" dirty="0"/>
+          </a:p>
+          <a:p>
+            <a:pPr lvl="1"/>
+            <a:r>
+              <a:rPr lang="ja-JP" altLang="en-US" dirty="0"/>
+              <a:t>格納するデータは、キーの値によってソートされている（</a:t>
+            </a:r>
+            <a:r>
+              <a:rPr lang="en-US" altLang="ja-JP" dirty="0"/>
+              <a:t>int</a:t>
+            </a:r>
+            <a:r>
+              <a:rPr lang="ja-JP" altLang="en-US" dirty="0"/>
+              <a:t>値の</a:t>
+            </a:r>
+            <a:r>
+              <a:rPr lang="en-US" altLang="ja-JP" dirty="0"/>
+              <a:t>set</a:t>
+            </a:r>
+            <a:r>
+              <a:rPr lang="ja-JP" altLang="en-US" dirty="0"/>
+              <a:t>ではキーを追加すると自動的に昇順</a:t>
+            </a:r>
+            <a:br>
+              <a:rPr lang="en-US" altLang="ja-JP" dirty="0"/>
+            </a:br>
+            <a:r>
+              <a:rPr lang="ja-JP" altLang="en-US" dirty="0"/>
+              <a:t>　ソートされたデータ列）</a:t>
+            </a:r>
+            <a:endParaRPr lang="en-US" altLang="ja-JP" dirty="0"/>
+          </a:p>
+        </p:txBody>
+      </p:sp>
+    </p:spTree>
+    <p:extLst>
+      <p:ext uri="{BB962C8B-B14F-4D97-AF65-F5344CB8AC3E}">
+        <p14:creationId xmlns:p14="http://schemas.microsoft.com/office/powerpoint/2010/main" val="1786727034"/>
       </p:ext>
     </p:extLst>
   </p:cSld>

--- a/授業資料/講義資料：Setクラス.pptx
+++ b/授業資料/講義資料：Setクラス.pptx
@@ -251,7 +251,7 @@
           <a:p>
             <a:fld id="{5B96D3F8-CD2E-4A0D-AC38-517181EABB18}" type="datetimeFigureOut">
               <a:rPr kumimoji="1" lang="ja-JP" altLang="en-US" smtClean="0"/>
-              <a:t>2024/10/18</a:t>
+              <a:t>2024/10/30</a:t>
             </a:fld>
             <a:endParaRPr kumimoji="1" lang="ja-JP" altLang="en-US"/>
           </a:p>
@@ -453,7 +453,7 @@
           <a:p>
             <a:fld id="{5B96D3F8-CD2E-4A0D-AC38-517181EABB18}" type="datetimeFigureOut">
               <a:rPr kumimoji="1" lang="ja-JP" altLang="en-US" smtClean="0"/>
-              <a:t>2024/10/18</a:t>
+              <a:t>2024/10/30</a:t>
             </a:fld>
             <a:endParaRPr kumimoji="1" lang="ja-JP" altLang="en-US"/>
           </a:p>
@@ -665,7 +665,7 @@
           <a:p>
             <a:fld id="{5B96D3F8-CD2E-4A0D-AC38-517181EABB18}" type="datetimeFigureOut">
               <a:rPr kumimoji="1" lang="ja-JP" altLang="en-US" smtClean="0"/>
-              <a:t>2024/10/18</a:t>
+              <a:t>2024/10/30</a:t>
             </a:fld>
             <a:endParaRPr kumimoji="1" lang="ja-JP" altLang="en-US"/>
           </a:p>
@@ -867,7 +867,7 @@
           <a:p>
             <a:fld id="{5B96D3F8-CD2E-4A0D-AC38-517181EABB18}" type="datetimeFigureOut">
               <a:rPr kumimoji="1" lang="ja-JP" altLang="en-US" smtClean="0"/>
-              <a:t>2024/10/18</a:t>
+              <a:t>2024/10/30</a:t>
             </a:fld>
             <a:endParaRPr kumimoji="1" lang="ja-JP" altLang="en-US"/>
           </a:p>
@@ -1113,7 +1113,7 @@
           <a:p>
             <a:fld id="{5B96D3F8-CD2E-4A0D-AC38-517181EABB18}" type="datetimeFigureOut">
               <a:rPr kumimoji="1" lang="ja-JP" altLang="en-US" smtClean="0"/>
-              <a:t>2024/10/18</a:t>
+              <a:t>2024/10/30</a:t>
             </a:fld>
             <a:endParaRPr kumimoji="1" lang="ja-JP" altLang="en-US"/>
           </a:p>
@@ -1409,7 +1409,7 @@
           <a:p>
             <a:fld id="{5B96D3F8-CD2E-4A0D-AC38-517181EABB18}" type="datetimeFigureOut">
               <a:rPr kumimoji="1" lang="ja-JP" altLang="en-US" smtClean="0"/>
-              <a:t>2024/10/18</a:t>
+              <a:t>2024/10/30</a:t>
             </a:fld>
             <a:endParaRPr kumimoji="1" lang="ja-JP" altLang="en-US"/>
           </a:p>
@@ -1840,7 +1840,7 @@
           <a:p>
             <a:fld id="{5B96D3F8-CD2E-4A0D-AC38-517181EABB18}" type="datetimeFigureOut">
               <a:rPr kumimoji="1" lang="ja-JP" altLang="en-US" smtClean="0"/>
-              <a:t>2024/10/18</a:t>
+              <a:t>2024/10/30</a:t>
             </a:fld>
             <a:endParaRPr kumimoji="1" lang="ja-JP" altLang="en-US"/>
           </a:p>
@@ -1958,7 +1958,7 @@
           <a:p>
             <a:fld id="{5B96D3F8-CD2E-4A0D-AC38-517181EABB18}" type="datetimeFigureOut">
               <a:rPr kumimoji="1" lang="ja-JP" altLang="en-US" smtClean="0"/>
-              <a:t>2024/10/18</a:t>
+              <a:t>2024/10/30</a:t>
             </a:fld>
             <a:endParaRPr kumimoji="1" lang="ja-JP" altLang="en-US"/>
           </a:p>
@@ -2053,7 +2053,7 @@
           <a:p>
             <a:fld id="{5B96D3F8-CD2E-4A0D-AC38-517181EABB18}" type="datetimeFigureOut">
               <a:rPr kumimoji="1" lang="ja-JP" altLang="en-US" smtClean="0"/>
-              <a:t>2024/10/18</a:t>
+              <a:t>2024/10/30</a:t>
             </a:fld>
             <a:endParaRPr kumimoji="1" lang="ja-JP" altLang="en-US"/>
           </a:p>
@@ -2362,7 +2362,7 @@
           <a:p>
             <a:fld id="{5B96D3F8-CD2E-4A0D-AC38-517181EABB18}" type="datetimeFigureOut">
               <a:rPr kumimoji="1" lang="ja-JP" altLang="en-US" smtClean="0"/>
-              <a:t>2024/10/18</a:t>
+              <a:t>2024/10/30</a:t>
             </a:fld>
             <a:endParaRPr kumimoji="1" lang="ja-JP" altLang="en-US"/>
           </a:p>
@@ -2619,7 +2619,7 @@
           <a:p>
             <a:fld id="{5B96D3F8-CD2E-4A0D-AC38-517181EABB18}" type="datetimeFigureOut">
               <a:rPr kumimoji="1" lang="ja-JP" altLang="en-US" smtClean="0"/>
-              <a:t>2024/10/18</a:t>
+              <a:t>2024/10/30</a:t>
             </a:fld>
             <a:endParaRPr kumimoji="1" lang="ja-JP" altLang="en-US"/>
           </a:p>
@@ -2864,7 +2864,7 @@
           <a:p>
             <a:fld id="{5B96D3F8-CD2E-4A0D-AC38-517181EABB18}" type="datetimeFigureOut">
               <a:rPr kumimoji="1" lang="ja-JP" altLang="en-US" smtClean="0"/>
-              <a:t>2024/10/18</a:t>
+              <a:t>2024/10/30</a:t>
             </a:fld>
             <a:endParaRPr kumimoji="1" lang="ja-JP" altLang="en-US"/>
           </a:p>
@@ -3961,7 +3961,7 @@
             </a:r>
             <a:r>
               <a:rPr lang="en-US" altLang="ja-JP" b="1" dirty="0"/>
-              <a:t>Sample608</a:t>
+              <a:t>Sample609</a:t>
             </a:r>
             <a:r>
               <a:rPr lang="ja-JP" altLang="en-US" dirty="0"/>
@@ -3984,7 +3984,7 @@
                   <a:srgbClr val="00B0F0"/>
                 </a:solidFill>
               </a:rPr>
-              <a:t> Sample608</a:t>
+              <a:t> Sample609</a:t>
             </a:r>
             <a:br>
               <a:rPr lang="en-US" altLang="ja-JP" dirty="0"/>
@@ -3995,7 +3995,7 @@
                   <a:srgbClr val="00B0F0"/>
                 </a:solidFill>
               </a:rPr>
-              <a:t>cd Sample608</a:t>
+              <a:t>cd Sample609</a:t>
             </a:r>
             <a:br>
               <a:rPr lang="en-US" altLang="ja-JP" dirty="0"/>
